--- a/메모장/자바메모/JAVA.JSP/서블릿 & JSP.pptx
+++ b/메모장/자바메모/JAVA.JSP/서블릿 & JSP.pptx
@@ -24,11 +24,16 @@
     <p:sldId id="272" r:id="rId18"/>
     <p:sldId id="273" r:id="rId19"/>
     <p:sldId id="274" r:id="rId20"/>
-    <p:sldId id="275" r:id="rId21"/>
-    <p:sldId id="279" r:id="rId22"/>
+    <p:sldId id="279" r:id="rId21"/>
+    <p:sldId id="275" r:id="rId22"/>
     <p:sldId id="276" r:id="rId23"/>
     <p:sldId id="277" r:id="rId24"/>
     <p:sldId id="278" r:id="rId25"/>
+    <p:sldId id="280" r:id="rId26"/>
+    <p:sldId id="281" r:id="rId27"/>
+    <p:sldId id="282" r:id="rId28"/>
+    <p:sldId id="283" r:id="rId29"/>
+    <p:sldId id="284" r:id="rId30"/>
   </p:sldIdLst>
   <p:sldSz cx="12192000" cy="6858000"/>
   <p:notesSz cx="6858000" cy="9144000"/>
@@ -282,7 +287,7 @@
           <a:p>
             <a:fld id="{90B04DB3-816E-41D8-862C-C3F1DFF0B1BF}" type="datetimeFigureOut">
               <a:rPr lang="ko-KR" altLang="en-US" smtClean="0"/>
-              <a:t>2024-03-20</a:t>
+              <a:t>2024-04-01</a:t>
             </a:fld>
             <a:endParaRPr lang="ko-KR" altLang="en-US"/>
           </a:p>
@@ -480,7 +485,7 @@
           <a:p>
             <a:fld id="{90B04DB3-816E-41D8-862C-C3F1DFF0B1BF}" type="datetimeFigureOut">
               <a:rPr lang="ko-KR" altLang="en-US" smtClean="0"/>
-              <a:t>2024-03-20</a:t>
+              <a:t>2024-04-01</a:t>
             </a:fld>
             <a:endParaRPr lang="ko-KR" altLang="en-US"/>
           </a:p>
@@ -688,7 +693,7 @@
           <a:p>
             <a:fld id="{90B04DB3-816E-41D8-862C-C3F1DFF0B1BF}" type="datetimeFigureOut">
               <a:rPr lang="ko-KR" altLang="en-US" smtClean="0"/>
-              <a:t>2024-03-20</a:t>
+              <a:t>2024-04-01</a:t>
             </a:fld>
             <a:endParaRPr lang="ko-KR" altLang="en-US"/>
           </a:p>
@@ -886,7 +891,7 @@
           <a:p>
             <a:fld id="{90B04DB3-816E-41D8-862C-C3F1DFF0B1BF}" type="datetimeFigureOut">
               <a:rPr lang="ko-KR" altLang="en-US" smtClean="0"/>
-              <a:t>2024-03-20</a:t>
+              <a:t>2024-04-01</a:t>
             </a:fld>
             <a:endParaRPr lang="ko-KR" altLang="en-US"/>
           </a:p>
@@ -1161,7 +1166,7 @@
           <a:p>
             <a:fld id="{90B04DB3-816E-41D8-862C-C3F1DFF0B1BF}" type="datetimeFigureOut">
               <a:rPr lang="ko-KR" altLang="en-US" smtClean="0"/>
-              <a:t>2024-03-20</a:t>
+              <a:t>2024-04-01</a:t>
             </a:fld>
             <a:endParaRPr lang="ko-KR" altLang="en-US"/>
           </a:p>
@@ -1426,7 +1431,7 @@
           <a:p>
             <a:fld id="{90B04DB3-816E-41D8-862C-C3F1DFF0B1BF}" type="datetimeFigureOut">
               <a:rPr lang="ko-KR" altLang="en-US" smtClean="0"/>
-              <a:t>2024-03-20</a:t>
+              <a:t>2024-04-01</a:t>
             </a:fld>
             <a:endParaRPr lang="ko-KR" altLang="en-US"/>
           </a:p>
@@ -1838,7 +1843,7 @@
           <a:p>
             <a:fld id="{90B04DB3-816E-41D8-862C-C3F1DFF0B1BF}" type="datetimeFigureOut">
               <a:rPr lang="ko-KR" altLang="en-US" smtClean="0"/>
-              <a:t>2024-03-20</a:t>
+              <a:t>2024-04-01</a:t>
             </a:fld>
             <a:endParaRPr lang="ko-KR" altLang="en-US"/>
           </a:p>
@@ -1979,7 +1984,7 @@
           <a:p>
             <a:fld id="{90B04DB3-816E-41D8-862C-C3F1DFF0B1BF}" type="datetimeFigureOut">
               <a:rPr lang="ko-KR" altLang="en-US" smtClean="0"/>
-              <a:t>2024-03-20</a:t>
+              <a:t>2024-04-01</a:t>
             </a:fld>
             <a:endParaRPr lang="ko-KR" altLang="en-US"/>
           </a:p>
@@ -2092,7 +2097,7 @@
           <a:p>
             <a:fld id="{90B04DB3-816E-41D8-862C-C3F1DFF0B1BF}" type="datetimeFigureOut">
               <a:rPr lang="ko-KR" altLang="en-US" smtClean="0"/>
-              <a:t>2024-03-20</a:t>
+              <a:t>2024-04-01</a:t>
             </a:fld>
             <a:endParaRPr lang="ko-KR" altLang="en-US"/>
           </a:p>
@@ -2403,7 +2408,7 @@
           <a:p>
             <a:fld id="{90B04DB3-816E-41D8-862C-C3F1DFF0B1BF}" type="datetimeFigureOut">
               <a:rPr lang="ko-KR" altLang="en-US" smtClean="0"/>
-              <a:t>2024-03-20</a:t>
+              <a:t>2024-04-01</a:t>
             </a:fld>
             <a:endParaRPr lang="ko-KR" altLang="en-US"/>
           </a:p>
@@ -2691,7 +2696,7 @@
           <a:p>
             <a:fld id="{90B04DB3-816E-41D8-862C-C3F1DFF0B1BF}" type="datetimeFigureOut">
               <a:rPr lang="ko-KR" altLang="en-US" smtClean="0"/>
-              <a:t>2024-03-20</a:t>
+              <a:t>2024-04-01</a:t>
             </a:fld>
             <a:endParaRPr lang="ko-KR" altLang="en-US"/>
           </a:p>
@@ -2932,7 +2937,7 @@
           <a:p>
             <a:fld id="{90B04DB3-816E-41D8-862C-C3F1DFF0B1BF}" type="datetimeFigureOut">
               <a:rPr lang="ko-KR" altLang="en-US" smtClean="0"/>
-              <a:t>2024-03-20</a:t>
+              <a:t>2024-04-01</a:t>
             </a:fld>
             <a:endParaRPr lang="ko-KR" altLang="en-US"/>
           </a:p>
@@ -7842,6 +7847,687 @@
       </p:grpSpPr>
       <p:sp>
         <p:nvSpPr>
+          <p:cNvPr id="4" name="TextBox 3">
+            <a:extLst>
+              <a:ext uri="{FF2B5EF4-FFF2-40B4-BE49-F238E27FC236}">
+                <a16:creationId xmlns:a16="http://schemas.microsoft.com/office/drawing/2014/main" id="{2C220D9F-61AD-4434-8C1B-02DE978F80DF}"/>
+              </a:ext>
+            </a:extLst>
+          </p:cNvPr>
+          <p:cNvSpPr txBox="1"/>
+          <p:nvPr/>
+        </p:nvSpPr>
+        <p:spPr>
+          <a:xfrm>
+            <a:off x="704675" y="318781"/>
+            <a:ext cx="2771913" cy="369332"/>
+          </a:xfrm>
+          <a:prstGeom prst="rect">
+            <a:avLst/>
+          </a:prstGeom>
+          <a:noFill/>
+        </p:spPr>
+        <p:txBody>
+          <a:bodyPr wrap="none" rtlCol="0">
+            <a:spAutoFit/>
+          </a:bodyPr>
+          <a:lstStyle/>
+          <a:p>
+            <a:pPr marL="342900" indent="-342900">
+              <a:buAutoNum type="arabicPeriod"/>
+            </a:pPr>
+            <a:r>
+              <a:rPr lang="ko-KR" altLang="en-US" dirty="0" err="1"/>
+              <a:t>서블릿에서</a:t>
+            </a:r>
+            <a:r>
+              <a:rPr lang="ko-KR" altLang="en-US" dirty="0"/>
+              <a:t> 세션 생성</a:t>
+            </a:r>
+            <a:endParaRPr lang="en-US" altLang="ko-KR" dirty="0"/>
+          </a:p>
+        </p:txBody>
+      </p:sp>
+      <p:sp>
+        <p:nvSpPr>
+          <p:cNvPr id="5" name="TextBox 4">
+            <a:extLst>
+              <a:ext uri="{FF2B5EF4-FFF2-40B4-BE49-F238E27FC236}">
+                <a16:creationId xmlns:a16="http://schemas.microsoft.com/office/drawing/2014/main" id="{A3803A16-26DF-4248-867B-774A3DC421C3}"/>
+              </a:ext>
+            </a:extLst>
+          </p:cNvPr>
+          <p:cNvSpPr txBox="1"/>
+          <p:nvPr/>
+        </p:nvSpPr>
+        <p:spPr>
+          <a:xfrm>
+            <a:off x="993311" y="931177"/>
+            <a:ext cx="2194640" cy="369332"/>
+          </a:xfrm>
+          <a:prstGeom prst="rect">
+            <a:avLst/>
+          </a:prstGeom>
+          <a:noFill/>
+        </p:spPr>
+        <p:txBody>
+          <a:bodyPr wrap="none" rtlCol="0">
+            <a:spAutoFit/>
+          </a:bodyPr>
+          <a:lstStyle/>
+          <a:p>
+            <a:r>
+              <a:rPr lang="en-US" altLang="ko-KR" dirty="0" err="1"/>
+              <a:t>HttpServletRequest</a:t>
+            </a:r>
+            <a:endParaRPr lang="ko-KR" altLang="en-US" dirty="0"/>
+          </a:p>
+        </p:txBody>
+      </p:sp>
+      <p:sp>
+        <p:nvSpPr>
+          <p:cNvPr id="6" name="TextBox 5">
+            <a:extLst>
+              <a:ext uri="{FF2B5EF4-FFF2-40B4-BE49-F238E27FC236}">
+                <a16:creationId xmlns:a16="http://schemas.microsoft.com/office/drawing/2014/main" id="{A6ED7383-C25C-43F6-BED8-7463D8E7F8C7}"/>
+              </a:ext>
+            </a:extLst>
+          </p:cNvPr>
+          <p:cNvSpPr txBox="1"/>
+          <p:nvPr/>
+        </p:nvSpPr>
+        <p:spPr>
+          <a:xfrm>
+            <a:off x="993311" y="1543573"/>
+            <a:ext cx="8911414" cy="1754326"/>
+          </a:xfrm>
+          <a:prstGeom prst="rect">
+            <a:avLst/>
+          </a:prstGeom>
+          <a:noFill/>
+        </p:spPr>
+        <p:txBody>
+          <a:bodyPr wrap="none" rtlCol="0">
+            <a:spAutoFit/>
+          </a:bodyPr>
+          <a:lstStyle/>
+          <a:p>
+            <a:r>
+              <a:rPr lang="en-US" altLang="ko-KR" dirty="0" err="1"/>
+              <a:t>getSession</a:t>
+            </a:r>
+            <a:r>
+              <a:rPr lang="en-US" altLang="ko-KR" dirty="0"/>
+              <a:t>(true)  - </a:t>
+            </a:r>
+            <a:r>
+              <a:rPr lang="ko-KR" altLang="en-US" dirty="0"/>
+              <a:t>기존에 </a:t>
+            </a:r>
+            <a:r>
+              <a:rPr lang="en-US" altLang="ko-KR" dirty="0" err="1"/>
+              <a:t>HttpSession</a:t>
+            </a:r>
+            <a:r>
+              <a:rPr lang="en-US" altLang="ko-KR" dirty="0"/>
+              <a:t> </a:t>
+            </a:r>
+            <a:r>
+              <a:rPr lang="ko-KR" altLang="en-US" dirty="0"/>
+              <a:t>객체가 존재하면 반환하고</a:t>
+            </a:r>
+            <a:r>
+              <a:rPr lang="en-US" altLang="ko-KR" dirty="0"/>
+              <a:t>, </a:t>
+            </a:r>
+            <a:r>
+              <a:rPr lang="ko-KR" altLang="en-US" dirty="0"/>
+              <a:t>존재하지 않으면 </a:t>
+            </a:r>
+            <a:endParaRPr lang="en-US" altLang="ko-KR" dirty="0"/>
+          </a:p>
+          <a:p>
+            <a:r>
+              <a:rPr lang="en-US" altLang="ko-KR" dirty="0"/>
+              <a:t>                         </a:t>
+            </a:r>
+            <a:r>
+              <a:rPr lang="ko-KR" altLang="en-US" dirty="0"/>
+              <a:t>새로운 </a:t>
+            </a:r>
+            <a:r>
+              <a:rPr lang="en-US" altLang="ko-KR" dirty="0" err="1"/>
+              <a:t>HttpSession</a:t>
+            </a:r>
+            <a:r>
+              <a:rPr lang="en-US" altLang="ko-KR" dirty="0"/>
+              <a:t> </a:t>
+            </a:r>
+            <a:r>
+              <a:rPr lang="ko-KR" altLang="en-US" dirty="0"/>
+              <a:t>객체를 생성한다</a:t>
+            </a:r>
+            <a:r>
+              <a:rPr lang="en-US" altLang="ko-KR" dirty="0"/>
+              <a:t>.  </a:t>
+            </a:r>
+            <a:r>
+              <a:rPr lang="en-US" altLang="ko-KR" dirty="0" err="1"/>
+              <a:t>getSession</a:t>
+            </a:r>
+            <a:r>
+              <a:rPr lang="en-US" altLang="ko-KR" dirty="0"/>
+              <a:t>()</a:t>
+            </a:r>
+          </a:p>
+          <a:p>
+            <a:endParaRPr lang="en-US" altLang="ko-KR" dirty="0"/>
+          </a:p>
+          <a:p>
+            <a:r>
+              <a:rPr lang="en-US" altLang="ko-KR" dirty="0" err="1"/>
+              <a:t>getSession</a:t>
+            </a:r>
+            <a:r>
+              <a:rPr lang="en-US" altLang="ko-KR" dirty="0"/>
+              <a:t>(false)</a:t>
+            </a:r>
+            <a:r>
+              <a:rPr lang="ko-KR" altLang="en-US" dirty="0"/>
+              <a:t> </a:t>
+            </a:r>
+            <a:r>
+              <a:rPr lang="en-US" altLang="ko-KR" dirty="0"/>
+              <a:t>-</a:t>
+            </a:r>
+            <a:r>
+              <a:rPr lang="ko-KR" altLang="en-US" dirty="0"/>
+              <a:t> 기존에 </a:t>
+            </a:r>
+            <a:r>
+              <a:rPr lang="en-US" altLang="ko-KR" dirty="0" err="1"/>
+              <a:t>HttpSession</a:t>
+            </a:r>
+            <a:r>
+              <a:rPr lang="en-US" altLang="ko-KR" dirty="0"/>
+              <a:t> </a:t>
+            </a:r>
+            <a:r>
+              <a:rPr lang="ko-KR" altLang="en-US" dirty="0"/>
+              <a:t>객체가 존재하면 반환하고</a:t>
+            </a:r>
+            <a:r>
+              <a:rPr lang="en-US" altLang="ko-KR" dirty="0"/>
+              <a:t>, </a:t>
+            </a:r>
+            <a:r>
+              <a:rPr lang="ko-KR" altLang="en-US" dirty="0"/>
+              <a:t>존재하지 않으면 </a:t>
+            </a:r>
+            <a:endParaRPr lang="en-US" altLang="ko-KR" dirty="0"/>
+          </a:p>
+          <a:p>
+            <a:r>
+              <a:rPr lang="en-US" altLang="ko-KR" dirty="0"/>
+              <a:t>                         null</a:t>
+            </a:r>
+            <a:r>
+              <a:rPr lang="ko-KR" altLang="en-US" dirty="0"/>
+              <a:t>을 반환</a:t>
+            </a:r>
+            <a:r>
+              <a:rPr lang="en-US" altLang="ko-KR" dirty="0"/>
+              <a:t>.</a:t>
+            </a:r>
+          </a:p>
+          <a:p>
+            <a:endParaRPr lang="ko-KR" altLang="en-US" dirty="0"/>
+          </a:p>
+        </p:txBody>
+      </p:sp>
+      <p:sp>
+        <p:nvSpPr>
+          <p:cNvPr id="7" name="TextBox 6">
+            <a:extLst>
+              <a:ext uri="{FF2B5EF4-FFF2-40B4-BE49-F238E27FC236}">
+                <a16:creationId xmlns:a16="http://schemas.microsoft.com/office/drawing/2014/main" id="{85499DF5-1298-4424-A3F8-DD1067404061}"/>
+              </a:ext>
+            </a:extLst>
+          </p:cNvPr>
+          <p:cNvSpPr txBox="1"/>
+          <p:nvPr/>
+        </p:nvSpPr>
+        <p:spPr>
+          <a:xfrm>
+            <a:off x="811296" y="3084026"/>
+            <a:ext cx="737702" cy="369332"/>
+          </a:xfrm>
+          <a:prstGeom prst="rect">
+            <a:avLst/>
+          </a:prstGeom>
+          <a:noFill/>
+        </p:spPr>
+        <p:txBody>
+          <a:bodyPr wrap="none" rtlCol="0">
+            <a:spAutoFit/>
+          </a:bodyPr>
+          <a:lstStyle/>
+          <a:p>
+            <a:r>
+              <a:rPr lang="en-US" altLang="ko-KR" dirty="0"/>
+              <a:t>2. </a:t>
+            </a:r>
+            <a:r>
+              <a:rPr lang="en-US" altLang="ko-KR" dirty="0" err="1"/>
+              <a:t>jsp</a:t>
+            </a:r>
+            <a:endParaRPr lang="ko-KR" altLang="en-US" dirty="0"/>
+          </a:p>
+        </p:txBody>
+      </p:sp>
+      <p:sp>
+        <p:nvSpPr>
+          <p:cNvPr id="9" name="TextBox 8">
+            <a:extLst>
+              <a:ext uri="{FF2B5EF4-FFF2-40B4-BE49-F238E27FC236}">
+                <a16:creationId xmlns:a16="http://schemas.microsoft.com/office/drawing/2014/main" id="{6E683673-163C-48BB-8654-DAAB4DD8D282}"/>
+              </a:ext>
+            </a:extLst>
+          </p:cNvPr>
+          <p:cNvSpPr txBox="1"/>
+          <p:nvPr/>
+        </p:nvSpPr>
+        <p:spPr>
+          <a:xfrm>
+            <a:off x="979654" y="3429000"/>
+            <a:ext cx="4416594" cy="1477328"/>
+          </a:xfrm>
+          <a:prstGeom prst="rect">
+            <a:avLst/>
+          </a:prstGeom>
+          <a:noFill/>
+        </p:spPr>
+        <p:txBody>
+          <a:bodyPr wrap="none" rtlCol="0">
+            <a:spAutoFit/>
+          </a:bodyPr>
+          <a:lstStyle/>
+          <a:p>
+            <a:r>
+              <a:rPr lang="ko-KR" altLang="en-US" dirty="0" err="1">
+                <a:solidFill>
+                  <a:schemeClr val="bg1">
+                    <a:lumMod val="65000"/>
+                  </a:schemeClr>
+                </a:solidFill>
+              </a:rPr>
+              <a:t>서블릿</a:t>
+            </a:r>
+            <a:r>
+              <a:rPr lang="ko-KR" altLang="en-US" dirty="0">
+                <a:solidFill>
+                  <a:schemeClr val="bg1">
+                    <a:lumMod val="65000"/>
+                  </a:schemeClr>
+                </a:solidFill>
+              </a:rPr>
+              <a:t> 세션을 사용할 경우 </a:t>
+            </a:r>
+            <a:r>
+              <a:rPr lang="en-US" altLang="ko-KR" dirty="0">
+                <a:solidFill>
+                  <a:schemeClr val="bg1">
+                    <a:lumMod val="65000"/>
+                  </a:schemeClr>
+                </a:solidFill>
+              </a:rPr>
+              <a:t>(</a:t>
+            </a:r>
+            <a:r>
+              <a:rPr lang="ko-KR" altLang="en-US" dirty="0">
+                <a:solidFill>
+                  <a:schemeClr val="bg1">
+                    <a:lumMod val="65000"/>
+                  </a:schemeClr>
+                </a:solidFill>
+              </a:rPr>
+              <a:t>복잡함</a:t>
+            </a:r>
+            <a:r>
+              <a:rPr lang="en-US" altLang="ko-KR" dirty="0">
+                <a:solidFill>
+                  <a:schemeClr val="bg1">
+                    <a:lumMod val="65000"/>
+                  </a:schemeClr>
+                </a:solidFill>
+              </a:rPr>
+              <a:t>)</a:t>
+            </a:r>
+          </a:p>
+          <a:p>
+            <a:r>
+              <a:rPr lang="en-US" altLang="ko-KR" dirty="0">
+                <a:solidFill>
+                  <a:schemeClr val="bg1">
+                    <a:lumMod val="65000"/>
+                  </a:schemeClr>
+                </a:solidFill>
+              </a:rPr>
+              <a:t>app = </a:t>
+            </a:r>
+            <a:r>
+              <a:rPr lang="en-US" altLang="ko-KR" dirty="0" err="1">
+                <a:solidFill>
+                  <a:schemeClr val="bg1">
+                    <a:lumMod val="65000"/>
+                  </a:schemeClr>
+                </a:solidFill>
+              </a:rPr>
+              <a:t>pageContext.getServletContext</a:t>
+            </a:r>
+            <a:r>
+              <a:rPr lang="en-US" altLang="ko-KR" dirty="0">
+                <a:solidFill>
+                  <a:schemeClr val="bg1">
+                    <a:lumMod val="65000"/>
+                  </a:schemeClr>
+                </a:solidFill>
+              </a:rPr>
+              <a:t>()</a:t>
+            </a:r>
+          </a:p>
+          <a:p>
+            <a:r>
+              <a:rPr lang="en-US" altLang="ko-KR" dirty="0">
+                <a:solidFill>
+                  <a:schemeClr val="bg1">
+                    <a:lumMod val="65000"/>
+                  </a:schemeClr>
+                </a:solidFill>
+              </a:rPr>
+              <a:t>config = </a:t>
+            </a:r>
+            <a:r>
+              <a:rPr lang="en-US" altLang="ko-KR" dirty="0" err="1">
+                <a:solidFill>
+                  <a:schemeClr val="bg1">
+                    <a:lumMod val="65000"/>
+                  </a:schemeClr>
+                </a:solidFill>
+              </a:rPr>
+              <a:t>pageContext.getServletConfig</a:t>
+            </a:r>
+            <a:r>
+              <a:rPr lang="en-US" altLang="ko-KR" dirty="0">
+                <a:solidFill>
+                  <a:schemeClr val="bg1">
+                    <a:lumMod val="65000"/>
+                  </a:schemeClr>
+                </a:solidFill>
+              </a:rPr>
+              <a:t>()</a:t>
+            </a:r>
+          </a:p>
+          <a:p>
+            <a:r>
+              <a:rPr lang="en-US" altLang="ko-KR" dirty="0">
+                <a:solidFill>
+                  <a:schemeClr val="bg1">
+                    <a:lumMod val="65000"/>
+                  </a:schemeClr>
+                </a:solidFill>
+              </a:rPr>
+              <a:t>session = </a:t>
+            </a:r>
+            <a:r>
+              <a:rPr lang="en-US" altLang="ko-KR" dirty="0" err="1">
+                <a:solidFill>
+                  <a:schemeClr val="bg1">
+                    <a:lumMod val="65000"/>
+                  </a:schemeClr>
+                </a:solidFill>
+              </a:rPr>
+              <a:t>pageContext.getSession</a:t>
+            </a:r>
+            <a:r>
+              <a:rPr lang="en-US" altLang="ko-KR" dirty="0">
+                <a:solidFill>
+                  <a:schemeClr val="bg1">
+                    <a:lumMod val="65000"/>
+                  </a:schemeClr>
+                </a:solidFill>
+              </a:rPr>
+              <a:t>()</a:t>
+            </a:r>
+          </a:p>
+          <a:p>
+            <a:r>
+              <a:rPr lang="en-US" altLang="ko-KR" dirty="0">
+                <a:solidFill>
+                  <a:schemeClr val="bg1">
+                    <a:lumMod val="65000"/>
+                  </a:schemeClr>
+                </a:solidFill>
+              </a:rPr>
+              <a:t>out = </a:t>
+            </a:r>
+            <a:r>
+              <a:rPr lang="en-US" altLang="ko-KR" dirty="0" err="1">
+                <a:solidFill>
+                  <a:schemeClr val="bg1">
+                    <a:lumMod val="65000"/>
+                  </a:schemeClr>
+                </a:solidFill>
+              </a:rPr>
+              <a:t>pageContext.getOut</a:t>
+            </a:r>
+            <a:r>
+              <a:rPr lang="en-US" altLang="ko-KR" dirty="0">
+                <a:solidFill>
+                  <a:schemeClr val="bg1">
+                    <a:lumMod val="65000"/>
+                  </a:schemeClr>
+                </a:solidFill>
+              </a:rPr>
+              <a:t>();</a:t>
+            </a:r>
+            <a:endParaRPr lang="ko-KR" altLang="en-US" dirty="0">
+              <a:solidFill>
+                <a:schemeClr val="bg1">
+                  <a:lumMod val="65000"/>
+                </a:schemeClr>
+              </a:solidFill>
+            </a:endParaRPr>
+          </a:p>
+        </p:txBody>
+      </p:sp>
+      <p:sp>
+        <p:nvSpPr>
+          <p:cNvPr id="11" name="TextBox 10">
+            <a:extLst>
+              <a:ext uri="{FF2B5EF4-FFF2-40B4-BE49-F238E27FC236}">
+                <a16:creationId xmlns:a16="http://schemas.microsoft.com/office/drawing/2014/main" id="{4080D5FF-56A5-46A2-BCCB-AE5526307443}"/>
+              </a:ext>
+            </a:extLst>
+          </p:cNvPr>
+          <p:cNvSpPr txBox="1"/>
+          <p:nvPr/>
+        </p:nvSpPr>
+        <p:spPr>
+          <a:xfrm>
+            <a:off x="6610525" y="3548543"/>
+            <a:ext cx="5179559" cy="2862322"/>
+          </a:xfrm>
+          <a:prstGeom prst="rect">
+            <a:avLst/>
+          </a:prstGeom>
+          <a:noFill/>
+        </p:spPr>
+        <p:txBody>
+          <a:bodyPr wrap="none" rtlCol="0">
+            <a:spAutoFit/>
+          </a:bodyPr>
+          <a:lstStyle/>
+          <a:p>
+            <a:pPr marL="342900" indent="-342900">
+              <a:buAutoNum type="arabicPeriod"/>
+            </a:pPr>
+            <a:r>
+              <a:rPr lang="ko-KR" altLang="en-US" dirty="0"/>
+              <a:t>세션객체 생성</a:t>
+            </a:r>
+            <a:endParaRPr lang="en-US" altLang="ko-KR" dirty="0"/>
+          </a:p>
+          <a:p>
+            <a:pPr lvl="1"/>
+            <a:r>
+              <a:rPr lang="en-US" altLang="ko-KR" dirty="0" err="1"/>
+              <a:t>HttpSession</a:t>
+            </a:r>
+            <a:r>
+              <a:rPr lang="en-US" altLang="ko-KR" dirty="0"/>
+              <a:t> session = </a:t>
+            </a:r>
+            <a:r>
+              <a:rPr lang="en-US" altLang="ko-KR" dirty="0" err="1"/>
+              <a:t>request.getSession</a:t>
+            </a:r>
+            <a:r>
+              <a:rPr lang="en-US" altLang="ko-KR" dirty="0"/>
+              <a:t>();</a:t>
+            </a:r>
+          </a:p>
+          <a:p>
+            <a:endParaRPr lang="en-US" altLang="ko-KR" dirty="0"/>
+          </a:p>
+          <a:p>
+            <a:pPr marL="342900" indent="-342900">
+              <a:buAutoNum type="arabicPeriod" startAt="2"/>
+            </a:pPr>
+            <a:r>
+              <a:rPr lang="ko-KR" altLang="en-US" dirty="0"/>
+              <a:t>세션속성 지정</a:t>
+            </a:r>
+            <a:endParaRPr lang="en-US" altLang="ko-KR" dirty="0"/>
+          </a:p>
+          <a:p>
+            <a:r>
+              <a:rPr lang="en-US" altLang="ko-KR" dirty="0"/>
+              <a:t>     </a:t>
+            </a:r>
+            <a:r>
+              <a:rPr lang="en-US" altLang="ko-KR" dirty="0" err="1"/>
+              <a:t>session.setAttribute</a:t>
+            </a:r>
+            <a:r>
+              <a:rPr lang="en-US" altLang="ko-KR" dirty="0"/>
+              <a:t>(“</a:t>
+            </a:r>
+            <a:r>
+              <a:rPr lang="ko-KR" altLang="en-US" dirty="0"/>
+              <a:t>이름</a:t>
+            </a:r>
+            <a:r>
+              <a:rPr lang="en-US" altLang="ko-KR" dirty="0"/>
+              <a:t>”, “</a:t>
+            </a:r>
+            <a:r>
+              <a:rPr lang="ko-KR" altLang="en-US" dirty="0"/>
+              <a:t>값</a:t>
+            </a:r>
+            <a:r>
+              <a:rPr lang="en-US" altLang="ko-KR" dirty="0"/>
+              <a:t>”);</a:t>
+            </a:r>
+          </a:p>
+          <a:p>
+            <a:endParaRPr lang="en-US" altLang="ko-KR" dirty="0"/>
+          </a:p>
+          <a:p>
+            <a:pPr marL="342900" indent="-342900">
+              <a:buAutoNum type="arabicPeriod" startAt="3"/>
+            </a:pPr>
+            <a:r>
+              <a:rPr lang="en-US" altLang="ko-KR" dirty="0" err="1"/>
+              <a:t>session.getAttribute</a:t>
+            </a:r>
+            <a:r>
+              <a:rPr lang="en-US" altLang="ko-KR" dirty="0"/>
+              <a:t>(“</a:t>
+            </a:r>
+            <a:r>
+              <a:rPr lang="ko-KR" altLang="en-US" dirty="0"/>
+              <a:t>이름</a:t>
+            </a:r>
+            <a:r>
+              <a:rPr lang="en-US" altLang="ko-KR" dirty="0"/>
+              <a:t>”);</a:t>
+            </a:r>
+          </a:p>
+          <a:p>
+            <a:pPr marL="342900" indent="-342900">
+              <a:buAutoNum type="arabicPeriod" startAt="3"/>
+            </a:pPr>
+            <a:endParaRPr lang="en-US" altLang="ko-KR" dirty="0"/>
+          </a:p>
+          <a:p>
+            <a:pPr marL="342900" indent="-342900">
+              <a:buAutoNum type="arabicPeriod" startAt="3"/>
+            </a:pPr>
+            <a:r>
+              <a:rPr lang="ko-KR" altLang="en-US" dirty="0"/>
+              <a:t>세션종료</a:t>
+            </a:r>
+            <a:endParaRPr lang="en-US" altLang="ko-KR" dirty="0"/>
+          </a:p>
+          <a:p>
+            <a:r>
+              <a:rPr lang="en-US" altLang="ko-KR" dirty="0"/>
+              <a:t>     </a:t>
+            </a:r>
+            <a:r>
+              <a:rPr lang="en-US" altLang="ko-KR" dirty="0" err="1"/>
+              <a:t>session.invalidate</a:t>
+            </a:r>
+            <a:r>
+              <a:rPr lang="en-US" altLang="ko-KR" dirty="0"/>
+              <a:t>()</a:t>
+            </a:r>
+          </a:p>
+        </p:txBody>
+      </p:sp>
+    </p:spTree>
+    <p:extLst>
+      <p:ext uri="{BB962C8B-B14F-4D97-AF65-F5344CB8AC3E}">
+        <p14:creationId xmlns:p14="http://schemas.microsoft.com/office/powerpoint/2010/main" val="3639793749"/>
+      </p:ext>
+    </p:extLst>
+  </p:cSld>
+  <p:clrMapOvr>
+    <a:masterClrMapping/>
+  </p:clrMapOvr>
+</p:sld>
+</file>
+
+<file path=ppt/slides/slide21.xml><?xml version="1.0" encoding="utf-8"?>
+<p:sld xmlns:a="http://schemas.openxmlformats.org/drawingml/2006/main" xmlns:r="http://schemas.openxmlformats.org/officeDocument/2006/relationships" xmlns:p="http://schemas.openxmlformats.org/presentationml/2006/main">
+  <p:cSld>
+    <p:spTree>
+      <p:nvGrpSpPr>
+        <p:cNvPr id="1" name=""/>
+        <p:cNvGrpSpPr/>
+        <p:nvPr/>
+      </p:nvGrpSpPr>
+      <p:grpSpPr>
+        <a:xfrm>
+          <a:off x="0" y="0"/>
+          <a:ext cx="0" cy="0"/>
+          <a:chOff x="0" y="0"/>
+          <a:chExt cx="0" cy="0"/>
+        </a:xfrm>
+      </p:grpSpPr>
+      <p:sp>
+        <p:nvSpPr>
           <p:cNvPr id="2" name="제목 1">
             <a:extLst>
               <a:ext uri="{FF2B5EF4-FFF2-40B4-BE49-F238E27FC236}">
@@ -7996,36 +8682,6 @@
     <p:extLst>
       <p:ext uri="{BB962C8B-B14F-4D97-AF65-F5344CB8AC3E}">
         <p14:creationId xmlns:p14="http://schemas.microsoft.com/office/powerpoint/2010/main" val="2034338865"/>
-      </p:ext>
-    </p:extLst>
-  </p:cSld>
-  <p:clrMapOvr>
-    <a:masterClrMapping/>
-  </p:clrMapOvr>
-</p:sld>
-</file>
-
-<file path=ppt/slides/slide21.xml><?xml version="1.0" encoding="utf-8"?>
-<p:sld xmlns:a="http://schemas.openxmlformats.org/drawingml/2006/main" xmlns:r="http://schemas.openxmlformats.org/officeDocument/2006/relationships" xmlns:p="http://schemas.openxmlformats.org/presentationml/2006/main">
-  <p:cSld>
-    <p:spTree>
-      <p:nvGrpSpPr>
-        <p:cNvPr id="1" name=""/>
-        <p:cNvGrpSpPr/>
-        <p:nvPr/>
-      </p:nvGrpSpPr>
-      <p:grpSpPr>
-        <a:xfrm>
-          <a:off x="0" y="0"/>
-          <a:ext cx="0" cy="0"/>
-          <a:chOff x="0" y="0"/>
-          <a:chExt cx="0" cy="0"/>
-        </a:xfrm>
-      </p:grpSpPr>
-    </p:spTree>
-    <p:extLst>
-      <p:ext uri="{BB962C8B-B14F-4D97-AF65-F5344CB8AC3E}">
-        <p14:creationId xmlns:p14="http://schemas.microsoft.com/office/powerpoint/2010/main" val="3639793749"/>
       </p:ext>
     </p:extLst>
   </p:cSld>
@@ -8923,6 +9579,1742 @@
     <p:extLst>
       <p:ext uri="{BB962C8B-B14F-4D97-AF65-F5344CB8AC3E}">
         <p14:creationId xmlns:p14="http://schemas.microsoft.com/office/powerpoint/2010/main" val="1605138480"/>
+      </p:ext>
+    </p:extLst>
+  </p:cSld>
+  <p:clrMapOvr>
+    <a:masterClrMapping/>
+  </p:clrMapOvr>
+</p:sld>
+</file>
+
+<file path=ppt/slides/slide25.xml><?xml version="1.0" encoding="utf-8"?>
+<p:sld xmlns:a="http://schemas.openxmlformats.org/drawingml/2006/main" xmlns:r="http://schemas.openxmlformats.org/officeDocument/2006/relationships" xmlns:p="http://schemas.openxmlformats.org/presentationml/2006/main">
+  <p:cSld>
+    <p:spTree>
+      <p:nvGrpSpPr>
+        <p:cNvPr id="1" name=""/>
+        <p:cNvGrpSpPr/>
+        <p:nvPr/>
+      </p:nvGrpSpPr>
+      <p:grpSpPr>
+        <a:xfrm>
+          <a:off x="0" y="0"/>
+          <a:ext cx="0" cy="0"/>
+          <a:chOff x="0" y="0"/>
+          <a:chExt cx="0" cy="0"/>
+        </a:xfrm>
+      </p:grpSpPr>
+      <p:sp>
+        <p:nvSpPr>
+          <p:cNvPr id="2" name="제목 1">
+            <a:extLst>
+              <a:ext uri="{FF2B5EF4-FFF2-40B4-BE49-F238E27FC236}">
+                <a16:creationId xmlns:a16="http://schemas.microsoft.com/office/drawing/2014/main" id="{9D8238E6-C7CA-418C-AE63-753453C3A554}"/>
+              </a:ext>
+            </a:extLst>
+          </p:cNvPr>
+          <p:cNvSpPr>
+            <a:spLocks noGrp="1"/>
+          </p:cNvSpPr>
+          <p:nvPr>
+            <p:ph type="title"/>
+          </p:nvPr>
+        </p:nvSpPr>
+        <p:spPr/>
+        <p:txBody>
+          <a:bodyPr/>
+          <a:lstStyle/>
+          <a:p>
+            <a:r>
+              <a:rPr lang="ko-KR" altLang="en-US" dirty="0"/>
+              <a:t>필터</a:t>
+            </a:r>
+            <a:r>
+              <a:rPr lang="en-US" altLang="ko-KR" dirty="0"/>
+              <a:t>(filter)</a:t>
+            </a:r>
+            <a:endParaRPr lang="ko-KR" altLang="en-US" dirty="0"/>
+          </a:p>
+        </p:txBody>
+      </p:sp>
+      <p:sp>
+        <p:nvSpPr>
+          <p:cNvPr id="3" name="내용 개체 틀 2">
+            <a:extLst>
+              <a:ext uri="{FF2B5EF4-FFF2-40B4-BE49-F238E27FC236}">
+                <a16:creationId xmlns:a16="http://schemas.microsoft.com/office/drawing/2014/main" id="{16F502DF-F04A-45DE-B992-FDB7EAB36650}"/>
+              </a:ext>
+            </a:extLst>
+          </p:cNvPr>
+          <p:cNvSpPr>
+            <a:spLocks noGrp="1"/>
+          </p:cNvSpPr>
+          <p:nvPr>
+            <p:ph idx="1"/>
+          </p:nvPr>
+        </p:nvSpPr>
+        <p:spPr>
+          <a:xfrm>
+            <a:off x="678809" y="1406175"/>
+            <a:ext cx="10515600" cy="1603375"/>
+          </a:xfrm>
+        </p:spPr>
+        <p:txBody>
+          <a:bodyPr/>
+          <a:lstStyle/>
+          <a:p>
+            <a:r>
+              <a:rPr lang="ko-KR" altLang="en-US" dirty="0"/>
+              <a:t>클라이언트와 서버 사이에서 </a:t>
+            </a:r>
+            <a:r>
+              <a:rPr lang="en-US" altLang="ko-KR" dirty="0"/>
+              <a:t>request</a:t>
+            </a:r>
+            <a:r>
+              <a:rPr lang="ko-KR" altLang="en-US" dirty="0"/>
+              <a:t>와 </a:t>
+            </a:r>
+            <a:r>
+              <a:rPr lang="en-US" altLang="ko-KR" dirty="0"/>
+              <a:t>response </a:t>
+            </a:r>
+            <a:r>
+              <a:rPr lang="ko-KR" altLang="en-US" dirty="0"/>
+              <a:t>객체의 사전</a:t>
+            </a:r>
+            <a:r>
+              <a:rPr lang="en-US" altLang="ko-KR" dirty="0"/>
+              <a:t>/</a:t>
+            </a:r>
+            <a:r>
+              <a:rPr lang="ko-KR" altLang="en-US" dirty="0"/>
+              <a:t>사후에</a:t>
+            </a:r>
+            <a:r>
+              <a:rPr lang="en-US" altLang="ko-KR" dirty="0"/>
+              <a:t> </a:t>
+            </a:r>
+            <a:r>
+              <a:rPr lang="ko-KR" altLang="en-US" dirty="0"/>
+              <a:t>공통적으로 필요한 부분을 처리하는 것</a:t>
+            </a:r>
+            <a:endParaRPr lang="en-US" altLang="ko-KR" dirty="0"/>
+          </a:p>
+          <a:p>
+            <a:r>
+              <a:rPr lang="en-US" altLang="ko-KR" dirty="0"/>
+              <a:t>http</a:t>
+            </a:r>
+            <a:r>
+              <a:rPr lang="ko-KR" altLang="en-US" dirty="0"/>
+              <a:t> 요청과 응답을 변경할 수 있는 코드로 재사용이 가능</a:t>
+            </a:r>
+          </a:p>
+        </p:txBody>
+      </p:sp>
+      <p:sp>
+        <p:nvSpPr>
+          <p:cNvPr id="4" name="TextBox 3">
+            <a:extLst>
+              <a:ext uri="{FF2B5EF4-FFF2-40B4-BE49-F238E27FC236}">
+                <a16:creationId xmlns:a16="http://schemas.microsoft.com/office/drawing/2014/main" id="{FBB79378-87B5-44F1-BC1E-1D8FB868307F}"/>
+              </a:ext>
+            </a:extLst>
+          </p:cNvPr>
+          <p:cNvSpPr txBox="1"/>
+          <p:nvPr/>
+        </p:nvSpPr>
+        <p:spPr>
+          <a:xfrm>
+            <a:off x="838200" y="3162650"/>
+            <a:ext cx="2106667" cy="523220"/>
+          </a:xfrm>
+          <a:prstGeom prst="rect">
+            <a:avLst/>
+          </a:prstGeom>
+          <a:noFill/>
+        </p:spPr>
+        <p:txBody>
+          <a:bodyPr wrap="none" rtlCol="0">
+            <a:spAutoFit/>
+          </a:bodyPr>
+          <a:lstStyle/>
+          <a:p>
+            <a:r>
+              <a:rPr lang="ko-KR" altLang="en-US" sz="2800" b="1"/>
+              <a:t>필터의 기능</a:t>
+            </a:r>
+          </a:p>
+        </p:txBody>
+      </p:sp>
+      <p:sp>
+        <p:nvSpPr>
+          <p:cNvPr id="5" name="TextBox 4">
+            <a:extLst>
+              <a:ext uri="{FF2B5EF4-FFF2-40B4-BE49-F238E27FC236}">
+                <a16:creationId xmlns:a16="http://schemas.microsoft.com/office/drawing/2014/main" id="{881F682A-F1E9-42B0-AD8D-DD14ADAA27D7}"/>
+              </a:ext>
+            </a:extLst>
+          </p:cNvPr>
+          <p:cNvSpPr txBox="1"/>
+          <p:nvPr/>
+        </p:nvSpPr>
+        <p:spPr>
+          <a:xfrm>
+            <a:off x="838200" y="3775046"/>
+            <a:ext cx="8230074" cy="2031325"/>
+          </a:xfrm>
+          <a:prstGeom prst="rect">
+            <a:avLst/>
+          </a:prstGeom>
+          <a:noFill/>
+        </p:spPr>
+        <p:txBody>
+          <a:bodyPr wrap="none" rtlCol="0">
+            <a:spAutoFit/>
+          </a:bodyPr>
+          <a:lstStyle/>
+          <a:p>
+            <a:pPr marL="342900" indent="-342900">
+              <a:buFont typeface="+mj-lt"/>
+              <a:buAutoNum type="arabicPeriod"/>
+            </a:pPr>
+            <a:r>
+              <a:rPr lang="ko-KR" altLang="en-US" dirty="0" err="1"/>
+              <a:t>서블릿이</a:t>
+            </a:r>
+            <a:r>
+              <a:rPr lang="ko-KR" altLang="en-US" dirty="0"/>
+              <a:t> 호출되기 전에 </a:t>
+            </a:r>
+            <a:r>
+              <a:rPr lang="en-US" altLang="ko-KR" dirty="0"/>
+              <a:t>request </a:t>
+            </a:r>
+            <a:r>
+              <a:rPr lang="ko-KR" altLang="en-US" dirty="0"/>
+              <a:t>를 가로채어 조작한다</a:t>
+            </a:r>
+            <a:r>
+              <a:rPr lang="en-US" altLang="ko-KR" dirty="0"/>
+              <a:t>.</a:t>
+            </a:r>
+          </a:p>
+          <a:p>
+            <a:pPr marL="342900" indent="-342900">
+              <a:buFont typeface="+mj-lt"/>
+              <a:buAutoNum type="arabicPeriod"/>
+            </a:pPr>
+            <a:r>
+              <a:rPr lang="ko-KR" altLang="en-US" dirty="0" err="1"/>
+              <a:t>서블릿이</a:t>
+            </a:r>
+            <a:r>
+              <a:rPr lang="ko-KR" altLang="en-US" dirty="0"/>
+              <a:t> 호출되기 전에 요청을 가로채어 점검한다</a:t>
+            </a:r>
+            <a:r>
+              <a:rPr lang="en-US" altLang="ko-KR" dirty="0"/>
+              <a:t>.</a:t>
+            </a:r>
+          </a:p>
+          <a:p>
+            <a:pPr marL="342900" indent="-342900">
+              <a:buFont typeface="+mj-lt"/>
+              <a:buAutoNum type="arabicPeriod"/>
+            </a:pPr>
+            <a:r>
+              <a:rPr lang="ko-KR" altLang="en-US" dirty="0" err="1"/>
+              <a:t>서블릿이</a:t>
+            </a:r>
+            <a:r>
+              <a:rPr lang="ko-KR" altLang="en-US" dirty="0"/>
+              <a:t> 호출되기 전에 </a:t>
+            </a:r>
+            <a:r>
+              <a:rPr lang="en-US" altLang="ko-KR" dirty="0"/>
+              <a:t>http</a:t>
+            </a:r>
+            <a:r>
+              <a:rPr lang="ko-KR" altLang="en-US" dirty="0"/>
+              <a:t>요청의 헤더를 조작할 수 있다</a:t>
+            </a:r>
+            <a:r>
+              <a:rPr lang="en-US" altLang="ko-KR" dirty="0"/>
+              <a:t>.</a:t>
+            </a:r>
+          </a:p>
+          <a:p>
+            <a:endParaRPr lang="en-US" altLang="ko-KR" dirty="0"/>
+          </a:p>
+          <a:p>
+            <a:pPr marL="342900" indent="-342900">
+              <a:buAutoNum type="arabicPeriod" startAt="4"/>
+            </a:pPr>
+            <a:r>
+              <a:rPr lang="ko-KR" altLang="en-US" dirty="0" err="1"/>
+              <a:t>서블릿이</a:t>
+            </a:r>
+            <a:r>
+              <a:rPr lang="ko-KR" altLang="en-US" dirty="0"/>
+              <a:t> </a:t>
+            </a:r>
+            <a:r>
+              <a:rPr lang="ko-KR" altLang="en-US" dirty="0" err="1"/>
+              <a:t>호줄된</a:t>
+            </a:r>
+            <a:r>
+              <a:rPr lang="ko-KR" altLang="en-US" dirty="0"/>
+              <a:t> 이후 응답</a:t>
+            </a:r>
+            <a:r>
+              <a:rPr lang="en-US" altLang="ko-KR" dirty="0"/>
+              <a:t>(response)</a:t>
+            </a:r>
+            <a:r>
+              <a:rPr lang="ko-KR" altLang="en-US" dirty="0"/>
+              <a:t>을 출력하기 전에 가로채어 조작한다</a:t>
+            </a:r>
+            <a:r>
+              <a:rPr lang="en-US" altLang="ko-KR" dirty="0"/>
+              <a:t>.</a:t>
+            </a:r>
+          </a:p>
+          <a:p>
+            <a:pPr marL="342900" indent="-342900">
+              <a:buAutoNum type="arabicPeriod" startAt="4"/>
+            </a:pPr>
+            <a:r>
+              <a:rPr lang="ko-KR" altLang="en-US" dirty="0" err="1"/>
+              <a:t>서블릿이</a:t>
+            </a:r>
+            <a:r>
+              <a:rPr lang="ko-KR" altLang="en-US" dirty="0"/>
+              <a:t> 호출된 이후 응답 헤더를 조작할 수 있다</a:t>
+            </a:r>
+            <a:r>
+              <a:rPr lang="en-US" altLang="ko-KR" dirty="0"/>
+              <a:t>.</a:t>
+            </a:r>
+          </a:p>
+          <a:p>
+            <a:pPr marL="342900" indent="-342900">
+              <a:buAutoNum type="arabicPeriod" startAt="4"/>
+            </a:pPr>
+            <a:endParaRPr lang="ko-KR" altLang="en-US" dirty="0"/>
+          </a:p>
+        </p:txBody>
+      </p:sp>
+    </p:spTree>
+    <p:extLst>
+      <p:ext uri="{BB962C8B-B14F-4D97-AF65-F5344CB8AC3E}">
+        <p14:creationId xmlns:p14="http://schemas.microsoft.com/office/powerpoint/2010/main" val="4006598427"/>
+      </p:ext>
+    </p:extLst>
+  </p:cSld>
+  <p:clrMapOvr>
+    <a:masterClrMapping/>
+  </p:clrMapOvr>
+</p:sld>
+</file>
+
+<file path=ppt/slides/slide26.xml><?xml version="1.0" encoding="utf-8"?>
+<p:sld xmlns:a="http://schemas.openxmlformats.org/drawingml/2006/main" xmlns:r="http://schemas.openxmlformats.org/officeDocument/2006/relationships" xmlns:p="http://schemas.openxmlformats.org/presentationml/2006/main">
+  <p:cSld>
+    <p:spTree>
+      <p:nvGrpSpPr>
+        <p:cNvPr id="1" name=""/>
+        <p:cNvGrpSpPr/>
+        <p:nvPr/>
+      </p:nvGrpSpPr>
+      <p:grpSpPr>
+        <a:xfrm>
+          <a:off x="0" y="0"/>
+          <a:ext cx="0" cy="0"/>
+          <a:chOff x="0" y="0"/>
+          <a:chExt cx="0" cy="0"/>
+        </a:xfrm>
+      </p:grpSpPr>
+      <p:sp>
+        <p:nvSpPr>
+          <p:cNvPr id="4" name="TextBox 3">
+            <a:extLst>
+              <a:ext uri="{FF2B5EF4-FFF2-40B4-BE49-F238E27FC236}">
+                <a16:creationId xmlns:a16="http://schemas.microsoft.com/office/drawing/2014/main" id="{D724D218-B1DF-4DA5-8CE3-72C62ACE2E2F}"/>
+              </a:ext>
+            </a:extLst>
+          </p:cNvPr>
+          <p:cNvSpPr txBox="1"/>
+          <p:nvPr/>
+        </p:nvSpPr>
+        <p:spPr>
+          <a:xfrm>
+            <a:off x="796255" y="704676"/>
+            <a:ext cx="2592376" cy="523220"/>
+          </a:xfrm>
+          <a:prstGeom prst="rect">
+            <a:avLst/>
+          </a:prstGeom>
+          <a:noFill/>
+        </p:spPr>
+        <p:txBody>
+          <a:bodyPr wrap="none" rtlCol="0">
+            <a:spAutoFit/>
+          </a:bodyPr>
+          <a:lstStyle/>
+          <a:p>
+            <a:r>
+              <a:rPr lang="ko-KR" altLang="en-US" sz="2800" b="1" dirty="0"/>
+              <a:t>필터의 사용 예</a:t>
+            </a:r>
+          </a:p>
+        </p:txBody>
+      </p:sp>
+      <p:sp>
+        <p:nvSpPr>
+          <p:cNvPr id="5" name="TextBox 4">
+            <a:extLst>
+              <a:ext uri="{FF2B5EF4-FFF2-40B4-BE49-F238E27FC236}">
+                <a16:creationId xmlns:a16="http://schemas.microsoft.com/office/drawing/2014/main" id="{C8BC572C-845E-4200-81EC-4BD466EA90BE}"/>
+              </a:ext>
+            </a:extLst>
+          </p:cNvPr>
+          <p:cNvSpPr txBox="1"/>
+          <p:nvPr/>
+        </p:nvSpPr>
+        <p:spPr>
+          <a:xfrm>
+            <a:off x="796255" y="1317072"/>
+            <a:ext cx="4714752" cy="1477328"/>
+          </a:xfrm>
+          <a:prstGeom prst="rect">
+            <a:avLst/>
+          </a:prstGeom>
+          <a:noFill/>
+        </p:spPr>
+        <p:txBody>
+          <a:bodyPr wrap="none" rtlCol="0">
+            <a:spAutoFit/>
+          </a:bodyPr>
+          <a:lstStyle/>
+          <a:p>
+            <a:pPr marL="342900" indent="-342900">
+              <a:buFont typeface="+mj-lt"/>
+              <a:buAutoNum type="arabicPeriod"/>
+            </a:pPr>
+            <a:r>
+              <a:rPr lang="ko-KR" altLang="en-US" dirty="0"/>
+              <a:t>로그인 여부나 권한 검사 같은 인증 기능</a:t>
+            </a:r>
+            <a:endParaRPr lang="en-US" altLang="ko-KR" dirty="0"/>
+          </a:p>
+          <a:p>
+            <a:pPr marL="342900" indent="-342900">
+              <a:buFont typeface="+mj-lt"/>
+              <a:buAutoNum type="arabicPeriod"/>
+            </a:pPr>
+            <a:r>
+              <a:rPr lang="ko-KR" altLang="en-US" dirty="0"/>
+              <a:t>요청이나 응답에 대한 로그</a:t>
+            </a:r>
+            <a:r>
+              <a:rPr lang="en-US" altLang="ko-KR" dirty="0"/>
+              <a:t>(</a:t>
+            </a:r>
+            <a:r>
+              <a:rPr lang="ko-KR" altLang="en-US" dirty="0"/>
+              <a:t>기록</a:t>
+            </a:r>
+            <a:r>
+              <a:rPr lang="en-US" altLang="ko-KR" dirty="0"/>
+              <a:t>) </a:t>
+            </a:r>
+            <a:r>
+              <a:rPr lang="ko-KR" altLang="en-US" dirty="0"/>
+              <a:t>기능</a:t>
+            </a:r>
+            <a:endParaRPr lang="en-US" altLang="ko-KR" dirty="0"/>
+          </a:p>
+          <a:p>
+            <a:pPr marL="342900" indent="-342900">
+              <a:buFont typeface="+mj-lt"/>
+              <a:buAutoNum type="arabicPeriod"/>
+            </a:pPr>
+            <a:r>
+              <a:rPr lang="ko-KR" altLang="en-US" dirty="0"/>
+              <a:t>오류 처리 기능</a:t>
+            </a:r>
+            <a:endParaRPr lang="en-US" altLang="ko-KR" dirty="0"/>
+          </a:p>
+          <a:p>
+            <a:pPr marL="342900" indent="-342900">
+              <a:buFont typeface="+mj-lt"/>
+              <a:buAutoNum type="arabicPeriod"/>
+            </a:pPr>
+            <a:r>
+              <a:rPr lang="en-US" altLang="ko-KR" dirty="0"/>
+              <a:t>charset </a:t>
+            </a:r>
+            <a:r>
+              <a:rPr lang="ko-KR" altLang="en-US" dirty="0"/>
+              <a:t>을 미리 </a:t>
+            </a:r>
+            <a:r>
+              <a:rPr lang="ko-KR" altLang="en-US" dirty="0" err="1"/>
+              <a:t>셋팅해</a:t>
+            </a:r>
+            <a:r>
+              <a:rPr lang="ko-KR" altLang="en-US" dirty="0"/>
+              <a:t> 놓는 기능</a:t>
+            </a:r>
+            <a:endParaRPr lang="en-US" altLang="ko-KR" dirty="0"/>
+          </a:p>
+          <a:p>
+            <a:pPr marL="342900" indent="-342900">
+              <a:buFont typeface="+mj-lt"/>
+              <a:buAutoNum type="arabicPeriod"/>
+            </a:pPr>
+            <a:r>
+              <a:rPr lang="ko-KR" altLang="en-US" dirty="0"/>
+              <a:t>데이터 압축이나 변환 기능</a:t>
+            </a:r>
+          </a:p>
+        </p:txBody>
+      </p:sp>
+      <p:sp>
+        <p:nvSpPr>
+          <p:cNvPr id="6" name="TextBox 5">
+            <a:extLst>
+              <a:ext uri="{FF2B5EF4-FFF2-40B4-BE49-F238E27FC236}">
+                <a16:creationId xmlns:a16="http://schemas.microsoft.com/office/drawing/2014/main" id="{44F177A2-2046-49D3-A679-80B80D313AFB}"/>
+              </a:ext>
+            </a:extLst>
+          </p:cNvPr>
+          <p:cNvSpPr txBox="1"/>
+          <p:nvPr/>
+        </p:nvSpPr>
+        <p:spPr>
+          <a:xfrm>
+            <a:off x="796255" y="2883576"/>
+            <a:ext cx="2824812" cy="523220"/>
+          </a:xfrm>
+          <a:prstGeom prst="rect">
+            <a:avLst/>
+          </a:prstGeom>
+          <a:noFill/>
+        </p:spPr>
+        <p:txBody>
+          <a:bodyPr wrap="none" rtlCol="0">
+            <a:spAutoFit/>
+          </a:bodyPr>
+          <a:lstStyle/>
+          <a:p>
+            <a:r>
+              <a:rPr lang="ko-KR" altLang="en-US" sz="2800" b="1" dirty="0"/>
+              <a:t>필터 인터페이스</a:t>
+            </a:r>
+          </a:p>
+        </p:txBody>
+      </p:sp>
+      <p:sp>
+        <p:nvSpPr>
+          <p:cNvPr id="7" name="TextBox 6">
+            <a:extLst>
+              <a:ext uri="{FF2B5EF4-FFF2-40B4-BE49-F238E27FC236}">
+                <a16:creationId xmlns:a16="http://schemas.microsoft.com/office/drawing/2014/main" id="{CDF63479-8243-4B7A-B5AC-E799CA925C93}"/>
+              </a:ext>
+            </a:extLst>
+          </p:cNvPr>
+          <p:cNvSpPr txBox="1"/>
+          <p:nvPr/>
+        </p:nvSpPr>
+        <p:spPr>
+          <a:xfrm>
+            <a:off x="796255" y="3495972"/>
+            <a:ext cx="8465138" cy="2862322"/>
+          </a:xfrm>
+          <a:prstGeom prst="rect">
+            <a:avLst/>
+          </a:prstGeom>
+          <a:noFill/>
+        </p:spPr>
+        <p:txBody>
+          <a:bodyPr wrap="none" rtlCol="0">
+            <a:spAutoFit/>
+          </a:bodyPr>
+          <a:lstStyle/>
+          <a:p>
+            <a:r>
+              <a:rPr lang="en-US" altLang="ko-KR" dirty="0"/>
+              <a:t>import</a:t>
+            </a:r>
+            <a:r>
+              <a:rPr lang="ko-KR" altLang="en-US" dirty="0"/>
+              <a:t> </a:t>
+            </a:r>
+            <a:r>
+              <a:rPr lang="en-US" altLang="ko-KR" dirty="0" err="1"/>
+              <a:t>javax.servlet.Filter</a:t>
+            </a:r>
+            <a:endParaRPr lang="en-US" altLang="ko-KR" dirty="0"/>
+          </a:p>
+          <a:p>
+            <a:r>
+              <a:rPr lang="en-US" altLang="ko-KR" dirty="0"/>
+              <a:t>public class </a:t>
+            </a:r>
+            <a:r>
+              <a:rPr lang="ko-KR" altLang="en-US" dirty="0"/>
+              <a:t>클래스이름 </a:t>
+            </a:r>
+            <a:r>
+              <a:rPr lang="en-US" altLang="ko-KR" dirty="0"/>
+              <a:t>implements Filter{</a:t>
+            </a:r>
+          </a:p>
+          <a:p>
+            <a:r>
+              <a:rPr lang="en-US" altLang="ko-KR" dirty="0"/>
+              <a:t>  //</a:t>
+            </a:r>
+            <a:r>
+              <a:rPr lang="ko-KR" altLang="en-US" dirty="0"/>
+              <a:t>구현 메소드 </a:t>
+            </a:r>
+            <a:endParaRPr lang="en-US" altLang="ko-KR" dirty="0"/>
+          </a:p>
+          <a:p>
+            <a:r>
+              <a:rPr lang="en-US" altLang="ko-KR" dirty="0"/>
+              <a:t>}</a:t>
+            </a:r>
+          </a:p>
+          <a:p>
+            <a:endParaRPr lang="en-US" altLang="ko-KR" dirty="0"/>
+          </a:p>
+          <a:p>
+            <a:r>
+              <a:rPr lang="en-US" altLang="ko-KR" dirty="0" err="1"/>
+              <a:t>init</a:t>
+            </a:r>
+            <a:r>
+              <a:rPr lang="en-US" altLang="ko-KR" dirty="0"/>
+              <a:t>()  : </a:t>
+            </a:r>
+            <a:r>
+              <a:rPr lang="ko-KR" altLang="en-US" dirty="0"/>
+              <a:t>필터 인스턴스 초기화 </a:t>
+            </a:r>
+            <a:r>
+              <a:rPr lang="en-US" altLang="ko-KR" dirty="0"/>
+              <a:t>(</a:t>
+            </a:r>
+            <a:r>
+              <a:rPr lang="ko-KR" altLang="en-US" dirty="0"/>
+              <a:t>한 번만 호출</a:t>
+            </a:r>
+            <a:r>
+              <a:rPr lang="en-US" altLang="ko-KR" dirty="0"/>
+              <a:t>)</a:t>
+            </a:r>
+          </a:p>
+          <a:p>
+            <a:endParaRPr lang="en-US" altLang="ko-KR" dirty="0"/>
+          </a:p>
+          <a:p>
+            <a:r>
+              <a:rPr lang="en-US" altLang="ko-KR" dirty="0" err="1"/>
+              <a:t>doFilter</a:t>
+            </a:r>
+            <a:r>
+              <a:rPr lang="en-US" altLang="ko-KR" dirty="0"/>
+              <a:t>() : </a:t>
+            </a:r>
+            <a:r>
+              <a:rPr lang="ko-KR" altLang="en-US" dirty="0"/>
+              <a:t>필터기능 작성하는 메소드 </a:t>
+            </a:r>
+            <a:r>
+              <a:rPr lang="en-US" altLang="ko-KR" dirty="0"/>
+              <a:t>(filter chain</a:t>
+            </a:r>
+            <a:r>
+              <a:rPr lang="ko-KR" altLang="en-US" dirty="0"/>
+              <a:t>을 이용하여 여러 번 호출 가능</a:t>
+            </a:r>
+            <a:r>
+              <a:rPr lang="en-US" altLang="ko-KR" dirty="0"/>
+              <a:t>)</a:t>
+            </a:r>
+          </a:p>
+          <a:p>
+            <a:endParaRPr lang="en-US" altLang="ko-KR" dirty="0"/>
+          </a:p>
+          <a:p>
+            <a:r>
+              <a:rPr lang="en-US" altLang="ko-KR" dirty="0"/>
+              <a:t>destroy()  : </a:t>
+            </a:r>
+            <a:r>
+              <a:rPr lang="ko-KR" altLang="en-US" dirty="0"/>
+              <a:t>필터 인스턴스 종료 전에 호출 </a:t>
+            </a:r>
+            <a:r>
+              <a:rPr lang="en-US" altLang="ko-KR" dirty="0"/>
+              <a:t>(</a:t>
+            </a:r>
+            <a:r>
+              <a:rPr lang="ko-KR" altLang="en-US" dirty="0"/>
+              <a:t>한 번만 호출</a:t>
+            </a:r>
+            <a:r>
+              <a:rPr lang="en-US" altLang="ko-KR" dirty="0"/>
+              <a:t>)</a:t>
+            </a:r>
+          </a:p>
+        </p:txBody>
+      </p:sp>
+    </p:spTree>
+    <p:extLst>
+      <p:ext uri="{BB962C8B-B14F-4D97-AF65-F5344CB8AC3E}">
+        <p14:creationId xmlns:p14="http://schemas.microsoft.com/office/powerpoint/2010/main" val="232214952"/>
+      </p:ext>
+    </p:extLst>
+  </p:cSld>
+  <p:clrMapOvr>
+    <a:masterClrMapping/>
+  </p:clrMapOvr>
+</p:sld>
+</file>
+
+<file path=ppt/slides/slide27.xml><?xml version="1.0" encoding="utf-8"?>
+<p:sld xmlns:a="http://schemas.openxmlformats.org/drawingml/2006/main" xmlns:r="http://schemas.openxmlformats.org/officeDocument/2006/relationships" xmlns:p="http://schemas.openxmlformats.org/presentationml/2006/main">
+  <p:cSld>
+    <p:spTree>
+      <p:nvGrpSpPr>
+        <p:cNvPr id="1" name=""/>
+        <p:cNvGrpSpPr/>
+        <p:nvPr/>
+      </p:nvGrpSpPr>
+      <p:grpSpPr>
+        <a:xfrm>
+          <a:off x="0" y="0"/>
+          <a:ext cx="0" cy="0"/>
+          <a:chOff x="0" y="0"/>
+          <a:chExt cx="0" cy="0"/>
+        </a:xfrm>
+      </p:grpSpPr>
+      <p:sp>
+        <p:nvSpPr>
+          <p:cNvPr id="4" name="TextBox 3">
+            <a:extLst>
+              <a:ext uri="{FF2B5EF4-FFF2-40B4-BE49-F238E27FC236}">
+                <a16:creationId xmlns:a16="http://schemas.microsoft.com/office/drawing/2014/main" id="{98BE3CA6-D857-4920-8B38-00A3CC7DDEE5}"/>
+              </a:ext>
+            </a:extLst>
+          </p:cNvPr>
+          <p:cNvSpPr txBox="1"/>
+          <p:nvPr/>
+        </p:nvSpPr>
+        <p:spPr>
+          <a:xfrm>
+            <a:off x="796255" y="704676"/>
+            <a:ext cx="4860498" cy="523220"/>
+          </a:xfrm>
+          <a:prstGeom prst="rect">
+            <a:avLst/>
+          </a:prstGeom>
+          <a:noFill/>
+        </p:spPr>
+        <p:txBody>
+          <a:bodyPr wrap="none" rtlCol="0">
+            <a:spAutoFit/>
+          </a:bodyPr>
+          <a:lstStyle/>
+          <a:p>
+            <a:r>
+              <a:rPr lang="en-US" altLang="ko-KR" sz="2800" b="1" dirty="0"/>
+              <a:t>web.xml</a:t>
+            </a:r>
+            <a:r>
+              <a:rPr lang="ko-KR" altLang="en-US" sz="2800" b="1" dirty="0"/>
+              <a:t>을 이용한 필터 구성</a:t>
+            </a:r>
+          </a:p>
+        </p:txBody>
+      </p:sp>
+      <p:sp>
+        <p:nvSpPr>
+          <p:cNvPr id="5" name="TextBox 4">
+            <a:extLst>
+              <a:ext uri="{FF2B5EF4-FFF2-40B4-BE49-F238E27FC236}">
+                <a16:creationId xmlns:a16="http://schemas.microsoft.com/office/drawing/2014/main" id="{43A1F511-98D1-491F-BCA2-51D5BF8934B3}"/>
+              </a:ext>
+            </a:extLst>
+          </p:cNvPr>
+          <p:cNvSpPr txBox="1"/>
+          <p:nvPr/>
+        </p:nvSpPr>
+        <p:spPr>
+          <a:xfrm>
+            <a:off x="796255" y="2348917"/>
+            <a:ext cx="4990277" cy="3693319"/>
+          </a:xfrm>
+          <a:prstGeom prst="rect">
+            <a:avLst/>
+          </a:prstGeom>
+          <a:noFill/>
+        </p:spPr>
+        <p:txBody>
+          <a:bodyPr wrap="none" rtlCol="0">
+            <a:spAutoFit/>
+          </a:bodyPr>
+          <a:lstStyle/>
+          <a:p>
+            <a:r>
+              <a:rPr lang="en-US" altLang="ko-KR" dirty="0"/>
+              <a:t>&lt;filter&gt;</a:t>
+            </a:r>
+          </a:p>
+          <a:p>
+            <a:r>
+              <a:rPr lang="en-US" altLang="ko-KR" dirty="0"/>
+              <a:t>    &lt;filter-name&gt;</a:t>
+            </a:r>
+            <a:r>
+              <a:rPr lang="ko-KR" altLang="en-US" dirty="0"/>
+              <a:t>필터이름</a:t>
+            </a:r>
+            <a:r>
+              <a:rPr lang="en-US" altLang="ko-KR" dirty="0"/>
+              <a:t>&lt;/filter-name&gt;</a:t>
+            </a:r>
+          </a:p>
+          <a:p>
+            <a:r>
+              <a:rPr lang="en-US" altLang="ko-KR" dirty="0"/>
+              <a:t>    &lt;filter-class&gt;</a:t>
+            </a:r>
+            <a:r>
+              <a:rPr lang="ko-KR" altLang="en-US" dirty="0"/>
+              <a:t>클래스이름</a:t>
+            </a:r>
+            <a:r>
+              <a:rPr lang="en-US" altLang="ko-KR" dirty="0"/>
+              <a:t>&lt;/filter-class&gt;</a:t>
+            </a:r>
+          </a:p>
+          <a:p>
+            <a:r>
+              <a:rPr lang="en-US" altLang="ko-KR" dirty="0"/>
+              <a:t>    &lt;</a:t>
+            </a:r>
+            <a:r>
+              <a:rPr lang="en-US" altLang="ko-KR" dirty="0" err="1"/>
+              <a:t>init</a:t>
+            </a:r>
+            <a:r>
+              <a:rPr lang="en-US" altLang="ko-KR" dirty="0"/>
+              <a:t>-param&gt;</a:t>
+            </a:r>
+          </a:p>
+          <a:p>
+            <a:r>
+              <a:rPr lang="en-US" altLang="ko-KR" dirty="0"/>
+              <a:t>         &lt;param-name&gt;param&lt;/param-name&gt;</a:t>
+            </a:r>
+          </a:p>
+          <a:p>
+            <a:r>
+              <a:rPr lang="en-US" altLang="ko-KR" dirty="0"/>
+              <a:t>         &lt;param-value&gt;..&lt;/param-value&gt; </a:t>
+            </a:r>
+          </a:p>
+          <a:p>
+            <a:r>
+              <a:rPr lang="en-US" altLang="ko-KR" dirty="0"/>
+              <a:t>    &lt;/</a:t>
+            </a:r>
+            <a:r>
+              <a:rPr lang="en-US" altLang="ko-KR" dirty="0" err="1"/>
+              <a:t>init</a:t>
+            </a:r>
+            <a:r>
+              <a:rPr lang="en-US" altLang="ko-KR" dirty="0"/>
+              <a:t>-param&gt;</a:t>
+            </a:r>
+          </a:p>
+          <a:p>
+            <a:r>
+              <a:rPr lang="en-US" altLang="ko-KR" dirty="0"/>
+              <a:t>&lt;/filter&gt;</a:t>
+            </a:r>
+          </a:p>
+          <a:p>
+            <a:endParaRPr lang="en-US" altLang="ko-KR" dirty="0"/>
+          </a:p>
+          <a:p>
+            <a:r>
+              <a:rPr lang="en-US" altLang="ko-KR" dirty="0"/>
+              <a:t>&lt;filter-mapping&gt;</a:t>
+            </a:r>
+          </a:p>
+          <a:p>
+            <a:r>
+              <a:rPr lang="en-US" altLang="ko-KR" dirty="0"/>
+              <a:t>   &lt;filter-name&gt;…&lt;/filter-name&gt;</a:t>
+            </a:r>
+          </a:p>
+          <a:p>
+            <a:r>
+              <a:rPr lang="en-US" altLang="ko-KR" dirty="0"/>
+              <a:t>   &lt;</a:t>
+            </a:r>
+            <a:r>
+              <a:rPr lang="en-US" altLang="ko-KR" dirty="0" err="1"/>
+              <a:t>url</a:t>
+            </a:r>
+            <a:r>
+              <a:rPr lang="en-US" altLang="ko-KR" dirty="0"/>
+              <a:t>-pattern&gt;…&lt;/</a:t>
+            </a:r>
+            <a:r>
+              <a:rPr lang="en-US" altLang="ko-KR" dirty="0" err="1"/>
+              <a:t>url</a:t>
+            </a:r>
+            <a:r>
+              <a:rPr lang="en-US" altLang="ko-KR" dirty="0"/>
+              <a:t>-pattern&gt;</a:t>
+            </a:r>
+          </a:p>
+          <a:p>
+            <a:r>
+              <a:rPr lang="en-US" altLang="ko-KR" dirty="0"/>
+              <a:t>&lt;/filter-mapping&gt;</a:t>
+            </a:r>
+            <a:endParaRPr lang="ko-KR" altLang="en-US" dirty="0"/>
+          </a:p>
+        </p:txBody>
+      </p:sp>
+      <p:sp>
+        <p:nvSpPr>
+          <p:cNvPr id="6" name="TextBox 5">
+            <a:extLst>
+              <a:ext uri="{FF2B5EF4-FFF2-40B4-BE49-F238E27FC236}">
+                <a16:creationId xmlns:a16="http://schemas.microsoft.com/office/drawing/2014/main" id="{A0624FB9-5ACC-473C-B69E-0BF3888DA6F5}"/>
+              </a:ext>
+            </a:extLst>
+          </p:cNvPr>
+          <p:cNvSpPr txBox="1"/>
+          <p:nvPr/>
+        </p:nvSpPr>
+        <p:spPr>
+          <a:xfrm>
+            <a:off x="796255" y="1326741"/>
+            <a:ext cx="10118476" cy="923330"/>
+          </a:xfrm>
+          <a:prstGeom prst="rect">
+            <a:avLst/>
+          </a:prstGeom>
+          <a:noFill/>
+        </p:spPr>
+        <p:txBody>
+          <a:bodyPr wrap="none" rtlCol="0">
+            <a:spAutoFit/>
+          </a:bodyPr>
+          <a:lstStyle/>
+          <a:p>
+            <a:r>
+              <a:rPr lang="ko-KR" altLang="en-US" dirty="0"/>
+              <a:t>필터를 사용하려면 어떤 필터가 어떤 리소스에 대해 적용되는지 </a:t>
+            </a:r>
+            <a:r>
+              <a:rPr lang="en-US" altLang="ko-KR" dirty="0" err="1"/>
+              <a:t>jsp</a:t>
+            </a:r>
+            <a:r>
+              <a:rPr lang="ko-KR" altLang="en-US" dirty="0"/>
+              <a:t>컨테이너에 알려주어야 한다</a:t>
+            </a:r>
+            <a:r>
+              <a:rPr lang="en-US" altLang="ko-KR" dirty="0"/>
+              <a:t>.</a:t>
+            </a:r>
+          </a:p>
+          <a:p>
+            <a:endParaRPr lang="en-US" altLang="ko-KR" dirty="0"/>
+          </a:p>
+          <a:p>
+            <a:r>
+              <a:rPr lang="en-US" altLang="ko-KR" dirty="0"/>
+              <a:t>&lt;filter&gt;</a:t>
+            </a:r>
+            <a:r>
+              <a:rPr lang="ko-KR" altLang="en-US" dirty="0"/>
+              <a:t>와 </a:t>
+            </a:r>
+            <a:r>
+              <a:rPr lang="en-US" altLang="ko-KR" dirty="0"/>
+              <a:t>&lt;filter-mapping&gt; </a:t>
+            </a:r>
+            <a:r>
+              <a:rPr lang="ko-KR" altLang="en-US" dirty="0"/>
+              <a:t>요소를 사용한다</a:t>
+            </a:r>
+            <a:r>
+              <a:rPr lang="en-US" altLang="ko-KR" dirty="0"/>
+              <a:t>.</a:t>
+            </a:r>
+            <a:endParaRPr lang="ko-KR" altLang="en-US" dirty="0"/>
+          </a:p>
+        </p:txBody>
+      </p:sp>
+      <p:sp>
+        <p:nvSpPr>
+          <p:cNvPr id="7" name="화살표: 오른쪽 6">
+            <a:extLst>
+              <a:ext uri="{FF2B5EF4-FFF2-40B4-BE49-F238E27FC236}">
+                <a16:creationId xmlns:a16="http://schemas.microsoft.com/office/drawing/2014/main" id="{49F03203-E12F-4D5F-900D-08E6CD776503}"/>
+              </a:ext>
+            </a:extLst>
+          </p:cNvPr>
+          <p:cNvSpPr/>
+          <p:nvPr/>
+        </p:nvSpPr>
+        <p:spPr>
+          <a:xfrm>
+            <a:off x="5444455" y="3800213"/>
+            <a:ext cx="570451" cy="276837"/>
+          </a:xfrm>
+          <a:prstGeom prst="rightArrow">
+            <a:avLst/>
+          </a:prstGeom>
+        </p:spPr>
+        <p:style>
+          <a:lnRef idx="2">
+            <a:schemeClr val="accent1">
+              <a:shade val="50000"/>
+            </a:schemeClr>
+          </a:lnRef>
+          <a:fillRef idx="1">
+            <a:schemeClr val="accent1"/>
+          </a:fillRef>
+          <a:effectRef idx="0">
+            <a:schemeClr val="accent1"/>
+          </a:effectRef>
+          <a:fontRef idx="minor">
+            <a:schemeClr val="lt1"/>
+          </a:fontRef>
+        </p:style>
+        <p:txBody>
+          <a:bodyPr rtlCol="0" anchor="ctr"/>
+          <a:lstStyle/>
+          <a:p>
+            <a:pPr algn="ctr"/>
+            <a:endParaRPr lang="ko-KR" altLang="en-US"/>
+          </a:p>
+        </p:txBody>
+      </p:sp>
+      <p:sp>
+        <p:nvSpPr>
+          <p:cNvPr id="9" name="TextBox 8">
+            <a:extLst>
+              <a:ext uri="{FF2B5EF4-FFF2-40B4-BE49-F238E27FC236}">
+                <a16:creationId xmlns:a16="http://schemas.microsoft.com/office/drawing/2014/main" id="{BC5CBF12-8300-4CD7-80B4-33B50C76B573}"/>
+              </a:ext>
+            </a:extLst>
+          </p:cNvPr>
+          <p:cNvSpPr txBox="1"/>
+          <p:nvPr/>
+        </p:nvSpPr>
+        <p:spPr>
+          <a:xfrm>
+            <a:off x="5855493" y="2520567"/>
+            <a:ext cx="6382196" cy="369332"/>
+          </a:xfrm>
+          <a:prstGeom prst="rect">
+            <a:avLst/>
+          </a:prstGeom>
+          <a:noFill/>
+        </p:spPr>
+        <p:txBody>
+          <a:bodyPr wrap="none" rtlCol="0">
+            <a:spAutoFit/>
+          </a:bodyPr>
+          <a:lstStyle/>
+          <a:p>
+            <a:r>
+              <a:rPr lang="en-US" altLang="ko-KR" dirty="0"/>
+              <a:t>String value = </a:t>
+            </a:r>
+            <a:r>
+              <a:rPr lang="en-US" altLang="ko-KR" dirty="0" err="1"/>
+              <a:t>getServletConfig</a:t>
+            </a:r>
+            <a:r>
+              <a:rPr lang="en-US" altLang="ko-KR" dirty="0"/>
+              <a:t>().</a:t>
+            </a:r>
+            <a:r>
+              <a:rPr lang="en-US" altLang="ko-KR" dirty="0" err="1"/>
+              <a:t>getInitParameter</a:t>
+            </a:r>
+            <a:r>
+              <a:rPr lang="en-US" altLang="ko-KR" dirty="0"/>
+              <a:t>(“param”)</a:t>
+            </a:r>
+            <a:endParaRPr lang="ko-KR" altLang="en-US" dirty="0"/>
+          </a:p>
+        </p:txBody>
+      </p:sp>
+    </p:spTree>
+    <p:extLst>
+      <p:ext uri="{BB962C8B-B14F-4D97-AF65-F5344CB8AC3E}">
+        <p14:creationId xmlns:p14="http://schemas.microsoft.com/office/powerpoint/2010/main" val="111465985"/>
+      </p:ext>
+    </p:extLst>
+  </p:cSld>
+  <p:clrMapOvr>
+    <a:masterClrMapping/>
+  </p:clrMapOvr>
+</p:sld>
+</file>
+
+<file path=ppt/slides/slide28.xml><?xml version="1.0" encoding="utf-8"?>
+<p:sld xmlns:a="http://schemas.openxmlformats.org/drawingml/2006/main" xmlns:r="http://schemas.openxmlformats.org/officeDocument/2006/relationships" xmlns:p="http://schemas.openxmlformats.org/presentationml/2006/main">
+  <p:cSld>
+    <p:spTree>
+      <p:nvGrpSpPr>
+        <p:cNvPr id="1" name=""/>
+        <p:cNvGrpSpPr/>
+        <p:nvPr/>
+      </p:nvGrpSpPr>
+      <p:grpSpPr>
+        <a:xfrm>
+          <a:off x="0" y="0"/>
+          <a:ext cx="0" cy="0"/>
+          <a:chOff x="0" y="0"/>
+          <a:chExt cx="0" cy="0"/>
+        </a:xfrm>
+      </p:grpSpPr>
+      <p:sp>
+        <p:nvSpPr>
+          <p:cNvPr id="2" name="제목 1">
+            <a:extLst>
+              <a:ext uri="{FF2B5EF4-FFF2-40B4-BE49-F238E27FC236}">
+                <a16:creationId xmlns:a16="http://schemas.microsoft.com/office/drawing/2014/main" id="{6908FC9B-EEE8-45F4-A8BA-6F3E09FC4C36}"/>
+              </a:ext>
+            </a:extLst>
+          </p:cNvPr>
+          <p:cNvSpPr>
+            <a:spLocks noGrp="1"/>
+          </p:cNvSpPr>
+          <p:nvPr>
+            <p:ph type="title"/>
+          </p:nvPr>
+        </p:nvSpPr>
+        <p:spPr/>
+        <p:txBody>
+          <a:bodyPr/>
+          <a:lstStyle/>
+          <a:p>
+            <a:r>
+              <a:rPr lang="ko-KR" altLang="en-US" dirty="0"/>
+              <a:t>파일 업로드</a:t>
+            </a:r>
+          </a:p>
+        </p:txBody>
+      </p:sp>
+      <p:sp>
+        <p:nvSpPr>
+          <p:cNvPr id="3" name="내용 개체 틀 2">
+            <a:extLst>
+              <a:ext uri="{FF2B5EF4-FFF2-40B4-BE49-F238E27FC236}">
+                <a16:creationId xmlns:a16="http://schemas.microsoft.com/office/drawing/2014/main" id="{AB8BFC4E-2FEC-4369-BAD1-AC1A626DC4F2}"/>
+              </a:ext>
+            </a:extLst>
+          </p:cNvPr>
+          <p:cNvSpPr>
+            <a:spLocks noGrp="1"/>
+          </p:cNvSpPr>
+          <p:nvPr>
+            <p:ph idx="1"/>
+          </p:nvPr>
+        </p:nvSpPr>
+        <p:spPr/>
+        <p:txBody>
+          <a:bodyPr/>
+          <a:lstStyle/>
+          <a:p>
+            <a:r>
+              <a:rPr lang="en-US" altLang="ko-KR" dirty="0"/>
+              <a:t>Apache Commons </a:t>
+            </a:r>
+          </a:p>
+          <a:p>
+            <a:endParaRPr lang="en-US" altLang="ko-KR" dirty="0"/>
+          </a:p>
+          <a:p>
+            <a:r>
+              <a:rPr lang="en-US" altLang="ko-KR" dirty="0" err="1"/>
+              <a:t>ServletFileUpload</a:t>
+            </a:r>
+            <a:r>
+              <a:rPr lang="en-US" altLang="ko-KR" dirty="0"/>
+              <a:t> </a:t>
+            </a:r>
+            <a:r>
+              <a:rPr lang="ko-KR" altLang="en-US" dirty="0"/>
+              <a:t>객체  </a:t>
+            </a:r>
+          </a:p>
+          <a:p>
+            <a:r>
+              <a:rPr lang="ko-KR" altLang="en-US" dirty="0"/>
+              <a:t>  </a:t>
+            </a:r>
+            <a:r>
+              <a:rPr lang="en-US" altLang="ko-KR" dirty="0"/>
+              <a:t>- </a:t>
+            </a:r>
+            <a:r>
+              <a:rPr lang="en-US" altLang="ko-KR" dirty="0" err="1"/>
+              <a:t>parseRequest</a:t>
+            </a:r>
+            <a:r>
+              <a:rPr lang="en-US" altLang="ko-KR" dirty="0"/>
+              <a:t>(</a:t>
+            </a:r>
+            <a:r>
+              <a:rPr lang="en-US" altLang="ko-KR" dirty="0" err="1"/>
+              <a:t>HttpServletRequest</a:t>
+            </a:r>
+            <a:r>
+              <a:rPr lang="en-US" altLang="ko-KR" dirty="0"/>
+              <a:t>) : multipart/form-data </a:t>
+            </a:r>
+            <a:r>
+              <a:rPr lang="ko-KR" altLang="en-US" dirty="0"/>
+              <a:t>로 전달된 데이터를 </a:t>
+            </a:r>
+            <a:r>
+              <a:rPr lang="en-US" altLang="ko-KR" dirty="0" err="1"/>
+              <a:t>FileItem</a:t>
+            </a:r>
+            <a:r>
+              <a:rPr lang="ko-KR" altLang="en-US" dirty="0"/>
+              <a:t>객체로 변환 </a:t>
+            </a:r>
+          </a:p>
+          <a:p>
+            <a:endParaRPr lang="ko-KR" altLang="en-US" dirty="0"/>
+          </a:p>
+          <a:p>
+            <a:r>
+              <a:rPr lang="ko-KR" altLang="en-US" dirty="0"/>
+              <a:t>예</a:t>
+            </a:r>
+            <a:r>
+              <a:rPr lang="en-US" altLang="ko-KR" dirty="0"/>
+              <a:t>) </a:t>
+            </a:r>
+            <a:r>
+              <a:rPr lang="en-US" altLang="ko-KR" dirty="0" err="1"/>
+              <a:t>ServletFileUpload</a:t>
+            </a:r>
+            <a:r>
+              <a:rPr lang="en-US" altLang="ko-KR" dirty="0"/>
+              <a:t> upload = new </a:t>
+            </a:r>
+            <a:r>
+              <a:rPr lang="en-US" altLang="ko-KR" dirty="0" err="1"/>
+              <a:t>ServletFileUpload</a:t>
+            </a:r>
+            <a:r>
+              <a:rPr lang="en-US" altLang="ko-KR" dirty="0"/>
+              <a:t>(</a:t>
+            </a:r>
+            <a:r>
+              <a:rPr lang="en-US" altLang="ko-KR" dirty="0" err="1"/>
+              <a:t>DiskFileItemFactory</a:t>
+            </a:r>
+            <a:r>
+              <a:rPr lang="en-US" altLang="ko-KR" dirty="0"/>
+              <a:t> </a:t>
+            </a:r>
+            <a:r>
+              <a:rPr lang="ko-KR" altLang="en-US" dirty="0"/>
+              <a:t>객체</a:t>
+            </a:r>
+            <a:r>
+              <a:rPr lang="en-US" altLang="ko-KR" dirty="0"/>
+              <a:t>);</a:t>
+            </a:r>
+          </a:p>
+          <a:p>
+            <a:r>
+              <a:rPr lang="en-US" altLang="ko-KR" dirty="0"/>
+              <a:t>    List&lt;</a:t>
+            </a:r>
+            <a:r>
+              <a:rPr lang="en-US" altLang="ko-KR" dirty="0" err="1"/>
+              <a:t>FileItem</a:t>
+            </a:r>
+            <a:r>
+              <a:rPr lang="en-US" altLang="ko-KR" dirty="0"/>
+              <a:t>&gt; items = </a:t>
+            </a:r>
+            <a:r>
+              <a:rPr lang="en-US" altLang="ko-KR" dirty="0" err="1"/>
+              <a:t>upload.parseRequest</a:t>
+            </a:r>
+            <a:r>
+              <a:rPr lang="en-US" altLang="ko-KR" dirty="0"/>
+              <a:t>(request);</a:t>
+            </a:r>
+            <a:endParaRPr lang="ko-KR" altLang="en-US" dirty="0"/>
+          </a:p>
+        </p:txBody>
+      </p:sp>
+    </p:spTree>
+    <p:extLst>
+      <p:ext uri="{BB962C8B-B14F-4D97-AF65-F5344CB8AC3E}">
+        <p14:creationId xmlns:p14="http://schemas.microsoft.com/office/powerpoint/2010/main" val="3745712738"/>
+      </p:ext>
+    </p:extLst>
+  </p:cSld>
+  <p:clrMapOvr>
+    <a:masterClrMapping/>
+  </p:clrMapOvr>
+</p:sld>
+</file>
+
+<file path=ppt/slides/slide29.xml><?xml version="1.0" encoding="utf-8"?>
+<p:sld xmlns:a="http://schemas.openxmlformats.org/drawingml/2006/main" xmlns:r="http://schemas.openxmlformats.org/officeDocument/2006/relationships" xmlns:p="http://schemas.openxmlformats.org/presentationml/2006/main">
+  <p:cSld>
+    <p:spTree>
+      <p:nvGrpSpPr>
+        <p:cNvPr id="1" name=""/>
+        <p:cNvGrpSpPr/>
+        <p:nvPr/>
+      </p:nvGrpSpPr>
+      <p:grpSpPr>
+        <a:xfrm>
+          <a:off x="0" y="0"/>
+          <a:ext cx="0" cy="0"/>
+          <a:chOff x="0" y="0"/>
+          <a:chExt cx="0" cy="0"/>
+        </a:xfrm>
+      </p:grpSpPr>
+      <p:sp>
+        <p:nvSpPr>
+          <p:cNvPr id="2" name="제목 1">
+            <a:extLst>
+              <a:ext uri="{FF2B5EF4-FFF2-40B4-BE49-F238E27FC236}">
+                <a16:creationId xmlns:a16="http://schemas.microsoft.com/office/drawing/2014/main" id="{CDAA9D6F-4600-4071-B2E4-CBB5DCF62943}"/>
+              </a:ext>
+            </a:extLst>
+          </p:cNvPr>
+          <p:cNvSpPr>
+            <a:spLocks noGrp="1"/>
+          </p:cNvSpPr>
+          <p:nvPr>
+            <p:ph type="title"/>
+          </p:nvPr>
+        </p:nvSpPr>
+        <p:spPr>
+          <a:xfrm>
+            <a:off x="838200" y="197345"/>
+            <a:ext cx="10515600" cy="1325563"/>
+          </a:xfrm>
+        </p:spPr>
+        <p:txBody>
+          <a:bodyPr/>
+          <a:lstStyle/>
+          <a:p>
+            <a:r>
+              <a:rPr lang="en-US" altLang="ko-KR" dirty="0" err="1"/>
+              <a:t>FileItem</a:t>
+            </a:r>
+            <a:r>
+              <a:rPr lang="en-US" altLang="ko-KR" dirty="0"/>
+              <a:t> </a:t>
+            </a:r>
+            <a:r>
+              <a:rPr lang="ko-KR" altLang="en-US" dirty="0"/>
+              <a:t>객체</a:t>
+            </a:r>
+          </a:p>
+        </p:txBody>
+      </p:sp>
+      <p:graphicFrame>
+        <p:nvGraphicFramePr>
+          <p:cNvPr id="4" name="표 4">
+            <a:extLst>
+              <a:ext uri="{FF2B5EF4-FFF2-40B4-BE49-F238E27FC236}">
+                <a16:creationId xmlns:a16="http://schemas.microsoft.com/office/drawing/2014/main" id="{3B59E715-A281-4B22-8135-E6761B9908E9}"/>
+              </a:ext>
+            </a:extLst>
+          </p:cNvPr>
+          <p:cNvGraphicFramePr>
+            <a:graphicFrameLocks noGrp="1"/>
+          </p:cNvGraphicFramePr>
+          <p:nvPr>
+            <p:ph idx="1"/>
+            <p:extLst>
+              <p:ext uri="{D42A27DB-BD31-4B8C-83A1-F6EECF244321}">
+                <p14:modId xmlns:p14="http://schemas.microsoft.com/office/powerpoint/2010/main" val="15996665"/>
+              </p:ext>
+            </p:extLst>
+          </p:nvPr>
+        </p:nvGraphicFramePr>
+        <p:xfrm>
+          <a:off x="838200" y="1825625"/>
+          <a:ext cx="10515600" cy="2585720"/>
+        </p:xfrm>
+        <a:graphic>
+          <a:graphicData uri="http://schemas.openxmlformats.org/drawingml/2006/table">
+            <a:tbl>
+              <a:tblPr firstRow="1" bandRow="1">
+                <a:tableStyleId>{5C22544A-7EE6-4342-B048-85BDC9FD1C3A}</a:tableStyleId>
+              </a:tblPr>
+              <a:tblGrid>
+                <a:gridCol w="2324450">
+                  <a:extLst>
+                    <a:ext uri="{9D8B030D-6E8A-4147-A177-3AD203B41FA5}">
+                      <a16:colId xmlns:a16="http://schemas.microsoft.com/office/drawing/2014/main" val="3008240809"/>
+                    </a:ext>
+                  </a:extLst>
+                </a:gridCol>
+                <a:gridCol w="8191150">
+                  <a:extLst>
+                    <a:ext uri="{9D8B030D-6E8A-4147-A177-3AD203B41FA5}">
+                      <a16:colId xmlns:a16="http://schemas.microsoft.com/office/drawing/2014/main" val="3071643156"/>
+                    </a:ext>
+                  </a:extLst>
+                </a:gridCol>
+              </a:tblGrid>
+              <a:tr h="370840">
+                <a:tc>
+                  <a:txBody>
+                    <a:bodyPr/>
+                    <a:lstStyle/>
+                    <a:p>
+                      <a:pPr algn="ctr" latinLnBrk="1"/>
+                      <a:r>
+                        <a:rPr lang="ko-KR" altLang="en-US" dirty="0"/>
+                        <a:t>메서드</a:t>
+                      </a:r>
+                    </a:p>
+                  </a:txBody>
+                  <a:tcPr/>
+                </a:tc>
+                <a:tc>
+                  <a:txBody>
+                    <a:bodyPr/>
+                    <a:lstStyle/>
+                    <a:p>
+                      <a:pPr algn="ctr" latinLnBrk="1"/>
+                      <a:r>
+                        <a:rPr lang="ko-KR" altLang="en-US" dirty="0"/>
+                        <a:t>기능</a:t>
+                      </a:r>
+                    </a:p>
+                  </a:txBody>
+                  <a:tcPr/>
+                </a:tc>
+                <a:extLst>
+                  <a:ext uri="{0D108BD9-81ED-4DB2-BD59-A6C34878D82A}">
+                    <a16:rowId xmlns:a16="http://schemas.microsoft.com/office/drawing/2014/main" val="2493771430"/>
+                  </a:ext>
+                </a:extLst>
+              </a:tr>
+              <a:tr h="370840">
+                <a:tc>
+                  <a:txBody>
+                    <a:bodyPr/>
+                    <a:lstStyle/>
+                    <a:p>
+                      <a:pPr latinLnBrk="1"/>
+                      <a:r>
+                        <a:rPr lang="en-US" altLang="ko-KR" dirty="0" err="1"/>
+                        <a:t>isFormField</a:t>
+                      </a:r>
+                      <a:r>
+                        <a:rPr lang="en-US" altLang="ko-KR" dirty="0"/>
+                        <a:t>()</a:t>
+                      </a:r>
+                      <a:endParaRPr lang="ko-KR" altLang="en-US" dirty="0"/>
+                    </a:p>
+                  </a:txBody>
+                  <a:tcPr/>
+                </a:tc>
+                <a:tc>
+                  <a:txBody>
+                    <a:bodyPr/>
+                    <a:lstStyle/>
+                    <a:p>
+                      <a:pPr latinLnBrk="1"/>
+                      <a:r>
+                        <a:rPr lang="ko-KR" altLang="en-US" dirty="0"/>
+                        <a:t>넘어온 파라미터가 </a:t>
+                      </a:r>
+                      <a:r>
+                        <a:rPr lang="ko-KR" altLang="en-US" dirty="0" err="1"/>
+                        <a:t>일반필드이면</a:t>
+                      </a:r>
+                      <a:r>
+                        <a:rPr lang="ko-KR" altLang="en-US" dirty="0"/>
+                        <a:t> </a:t>
+                      </a:r>
+                      <a:r>
+                        <a:rPr lang="en-US" altLang="ko-KR" dirty="0"/>
+                        <a:t>true, </a:t>
+                      </a:r>
+                      <a:r>
+                        <a:rPr lang="ko-KR" altLang="en-US" dirty="0"/>
+                        <a:t>파일이면 </a:t>
+                      </a:r>
+                      <a:r>
+                        <a:rPr lang="en-US" altLang="ko-KR" dirty="0"/>
+                        <a:t>false </a:t>
+                      </a:r>
+                      <a:r>
+                        <a:rPr lang="ko-KR" altLang="en-US" dirty="0"/>
+                        <a:t>반환</a:t>
+                      </a:r>
+                    </a:p>
+                  </a:txBody>
+                  <a:tcPr/>
+                </a:tc>
+                <a:extLst>
+                  <a:ext uri="{0D108BD9-81ED-4DB2-BD59-A6C34878D82A}">
+                    <a16:rowId xmlns:a16="http://schemas.microsoft.com/office/drawing/2014/main" val="881933132"/>
+                  </a:ext>
+                </a:extLst>
+              </a:tr>
+              <a:tr h="370840">
+                <a:tc>
+                  <a:txBody>
+                    <a:bodyPr/>
+                    <a:lstStyle/>
+                    <a:p>
+                      <a:pPr latinLnBrk="1"/>
+                      <a:r>
+                        <a:rPr lang="en-US" altLang="ko-KR" dirty="0" err="1"/>
+                        <a:t>getFieldName</a:t>
+                      </a:r>
+                      <a:r>
+                        <a:rPr lang="en-US" altLang="ko-KR" dirty="0"/>
+                        <a:t>()</a:t>
+                      </a:r>
+                      <a:endParaRPr lang="ko-KR" altLang="en-US" dirty="0"/>
+                    </a:p>
+                  </a:txBody>
+                  <a:tcPr/>
+                </a:tc>
+                <a:tc>
+                  <a:txBody>
+                    <a:bodyPr/>
+                    <a:lstStyle/>
+                    <a:p>
+                      <a:pPr latinLnBrk="1"/>
+                      <a:r>
+                        <a:rPr lang="ko-KR" altLang="en-US" dirty="0"/>
+                        <a:t>파라미터의 이름을 반환 예</a:t>
+                      </a:r>
+                      <a:r>
+                        <a:rPr lang="en-US" altLang="ko-KR" dirty="0"/>
+                        <a:t>) &lt;input type=“file” name=“file”&gt;</a:t>
+                      </a:r>
+                      <a:r>
+                        <a:rPr lang="ko-KR" altLang="en-US" dirty="0"/>
+                        <a:t>이면 </a:t>
+                      </a:r>
+                      <a:r>
+                        <a:rPr lang="en-US" altLang="ko-KR" dirty="0"/>
+                        <a:t>file </a:t>
+                      </a:r>
+                      <a:r>
+                        <a:rPr lang="ko-KR" altLang="en-US" dirty="0"/>
+                        <a:t>반환</a:t>
+                      </a:r>
+                    </a:p>
+                  </a:txBody>
+                  <a:tcPr/>
+                </a:tc>
+                <a:extLst>
+                  <a:ext uri="{0D108BD9-81ED-4DB2-BD59-A6C34878D82A}">
+                    <a16:rowId xmlns:a16="http://schemas.microsoft.com/office/drawing/2014/main" val="2566532491"/>
+                  </a:ext>
+                </a:extLst>
+              </a:tr>
+              <a:tr h="370840">
+                <a:tc>
+                  <a:txBody>
+                    <a:bodyPr/>
+                    <a:lstStyle/>
+                    <a:p>
+                      <a:pPr latinLnBrk="1"/>
+                      <a:r>
+                        <a:rPr lang="en-US" altLang="ko-KR" dirty="0" err="1"/>
+                        <a:t>getString</a:t>
+                      </a:r>
+                      <a:r>
+                        <a:rPr lang="en-US" altLang="ko-KR" dirty="0"/>
+                        <a:t>(encoding)</a:t>
+                      </a:r>
+                      <a:endParaRPr lang="ko-KR" altLang="en-US" dirty="0"/>
+                    </a:p>
+                  </a:txBody>
+                  <a:tcPr/>
+                </a:tc>
+                <a:tc>
+                  <a:txBody>
+                    <a:bodyPr/>
+                    <a:lstStyle/>
+                    <a:p>
+                      <a:pPr latinLnBrk="1"/>
+                      <a:r>
+                        <a:rPr lang="ko-KR" altLang="en-US" dirty="0"/>
+                        <a:t>파라미터 값을 인자로 지정한 문자집합으로 인코딩하여 반환</a:t>
+                      </a:r>
+                    </a:p>
+                  </a:txBody>
+                  <a:tcPr/>
+                </a:tc>
+                <a:extLst>
+                  <a:ext uri="{0D108BD9-81ED-4DB2-BD59-A6C34878D82A}">
+                    <a16:rowId xmlns:a16="http://schemas.microsoft.com/office/drawing/2014/main" val="2209864535"/>
+                  </a:ext>
+                </a:extLst>
+              </a:tr>
+              <a:tr h="370840">
+                <a:tc>
+                  <a:txBody>
+                    <a:bodyPr/>
+                    <a:lstStyle/>
+                    <a:p>
+                      <a:pPr latinLnBrk="1"/>
+                      <a:r>
+                        <a:rPr lang="en-US" altLang="ko-KR" dirty="0" err="1"/>
+                        <a:t>getName</a:t>
+                      </a:r>
+                      <a:r>
+                        <a:rPr lang="en-US" altLang="ko-KR" dirty="0"/>
+                        <a:t>()</a:t>
+                      </a:r>
+                      <a:endParaRPr lang="ko-KR" altLang="en-US" dirty="0"/>
+                    </a:p>
+                  </a:txBody>
+                  <a:tcPr/>
+                </a:tc>
+                <a:tc>
+                  <a:txBody>
+                    <a:bodyPr/>
+                    <a:lstStyle/>
+                    <a:p>
+                      <a:pPr latinLnBrk="1"/>
+                      <a:r>
+                        <a:rPr lang="ko-KR" altLang="en-US" dirty="0"/>
+                        <a:t>업로드한 파일의 이름을 반환</a:t>
+                      </a:r>
+                    </a:p>
+                  </a:txBody>
+                  <a:tcPr/>
+                </a:tc>
+                <a:extLst>
+                  <a:ext uri="{0D108BD9-81ED-4DB2-BD59-A6C34878D82A}">
+                    <a16:rowId xmlns:a16="http://schemas.microsoft.com/office/drawing/2014/main" val="3811149069"/>
+                  </a:ext>
+                </a:extLst>
+              </a:tr>
+              <a:tr h="185420">
+                <a:tc>
+                  <a:txBody>
+                    <a:bodyPr/>
+                    <a:lstStyle/>
+                    <a:p>
+                      <a:pPr latinLnBrk="1"/>
+                      <a:r>
+                        <a:rPr lang="en-US" altLang="ko-KR" dirty="0" err="1"/>
+                        <a:t>getSize</a:t>
+                      </a:r>
+                      <a:r>
+                        <a:rPr lang="en-US" altLang="ko-KR" dirty="0"/>
+                        <a:t>()</a:t>
+                      </a:r>
+                      <a:endParaRPr lang="ko-KR" altLang="en-US" dirty="0"/>
+                    </a:p>
+                  </a:txBody>
+                  <a:tcPr/>
+                </a:tc>
+                <a:tc>
+                  <a:txBody>
+                    <a:bodyPr/>
+                    <a:lstStyle/>
+                    <a:p>
+                      <a:pPr latinLnBrk="1"/>
+                      <a:r>
+                        <a:rPr lang="ko-KR" altLang="en-US" dirty="0"/>
+                        <a:t>업로드한 파일의 크기를 반환</a:t>
+                      </a:r>
+                    </a:p>
+                  </a:txBody>
+                  <a:tcPr/>
+                </a:tc>
+                <a:extLst>
+                  <a:ext uri="{0D108BD9-81ED-4DB2-BD59-A6C34878D82A}">
+                    <a16:rowId xmlns:a16="http://schemas.microsoft.com/office/drawing/2014/main" val="227789808"/>
+                  </a:ext>
+                </a:extLst>
+              </a:tr>
+              <a:tr h="185420">
+                <a:tc>
+                  <a:txBody>
+                    <a:bodyPr/>
+                    <a:lstStyle/>
+                    <a:p>
+                      <a:pPr latinLnBrk="1"/>
+                      <a:r>
+                        <a:rPr lang="en-US" altLang="ko-KR" dirty="0"/>
+                        <a:t>write(File file)</a:t>
+                      </a:r>
+                      <a:endParaRPr lang="ko-KR" altLang="en-US" dirty="0"/>
+                    </a:p>
+                  </a:txBody>
+                  <a:tcPr/>
+                </a:tc>
+                <a:tc>
+                  <a:txBody>
+                    <a:bodyPr/>
+                    <a:lstStyle/>
+                    <a:p>
+                      <a:pPr latinLnBrk="1"/>
+                      <a:r>
+                        <a:rPr lang="ko-KR" altLang="en-US" dirty="0"/>
+                        <a:t>업로드한 파일을 인자로 지정한 파일 객체가 나타내는 파일로 복사</a:t>
+                      </a:r>
+                    </a:p>
+                  </a:txBody>
+                  <a:tcPr/>
+                </a:tc>
+                <a:extLst>
+                  <a:ext uri="{0D108BD9-81ED-4DB2-BD59-A6C34878D82A}">
+                    <a16:rowId xmlns:a16="http://schemas.microsoft.com/office/drawing/2014/main" val="947193092"/>
+                  </a:ext>
+                </a:extLst>
+              </a:tr>
+            </a:tbl>
+          </a:graphicData>
+        </a:graphic>
+      </p:graphicFrame>
+    </p:spTree>
+    <p:extLst>
+      <p:ext uri="{BB962C8B-B14F-4D97-AF65-F5344CB8AC3E}">
+        <p14:creationId xmlns:p14="http://schemas.microsoft.com/office/powerpoint/2010/main" val="263073611"/>
       </p:ext>
     </p:extLst>
   </p:cSld>
